--- a/biodiversity project 1221.pptx
+++ b/biodiversity project 1221.pptx
@@ -5,15 +5,21 @@
     <p:sldMasterId id="2147483808" r:id="rId1"/>
   </p:sldMasterIdLst>
   <p:notesMasterIdLst>
-    <p:notesMasterId r:id="rId8"/>
+    <p:notesMasterId r:id="rId14"/>
   </p:notesMasterIdLst>
   <p:sldIdLst>
     <p:sldId id="256" r:id="rId2"/>
     <p:sldId id="257" r:id="rId3"/>
     <p:sldId id="258" r:id="rId4"/>
     <p:sldId id="259" r:id="rId5"/>
-    <p:sldId id="260" r:id="rId6"/>
-    <p:sldId id="262" r:id="rId7"/>
+    <p:sldId id="262" r:id="rId6"/>
+    <p:sldId id="263" r:id="rId7"/>
+    <p:sldId id="260" r:id="rId8"/>
+    <p:sldId id="264" r:id="rId9"/>
+    <p:sldId id="267" r:id="rId10"/>
+    <p:sldId id="268" r:id="rId11"/>
+    <p:sldId id="266" r:id="rId12"/>
+    <p:sldId id="265" r:id="rId13"/>
   </p:sldIdLst>
   <p:sldSz cx="12192000" cy="6858000"/>
   <p:notesSz cx="6858000" cy="9144000"/>
@@ -123,7 +129,7 @@
 <file path=ppt/revisionInfo.xml><?xml version="1.0" encoding="utf-8"?>
 <p1510:revInfo xmlns:a="http://schemas.openxmlformats.org/drawingml/2006/main" xmlns:r="http://schemas.openxmlformats.org/officeDocument/2006/relationships" xmlns:p1510="http://schemas.microsoft.com/office/powerpoint/2015/10/main">
   <p1510:revLst>
-    <p1510:client id="{9CA882F4-BD87-448F-88C2-515D90628FA1}" v="123" dt="2021-12-08T21:26:31.007"/>
+    <p1510:client id="{20D2CE46-3417-458C-99E3-10BB0C1C6AEC}" v="111" dt="2022-04-12T19:12:45.126"/>
   </p1510:revLst>
 </p1510:revInfo>
 </file>
@@ -210,7 +216,7 @@
           <a:p>
             <a:fld id="{422E3743-BEE0-481E-8EDE-F4604404513C}" type="datetimeFigureOut">
               <a:rPr lang="en-US" smtClean="0"/>
-              <a:t>3/2/2022</a:t>
+              <a:t>4/27/2022</a:t>
             </a:fld>
             <a:endParaRPr lang="en-US"/>
           </a:p>
@@ -561,6 +567,426 @@
 </p:notes>
 </file>
 
+<file path=ppt/notesSlides/notesSlide2.xml><?xml version="1.0" encoding="utf-8"?>
+<p:notes xmlns:a="http://schemas.openxmlformats.org/drawingml/2006/main" xmlns:r="http://schemas.openxmlformats.org/officeDocument/2006/relationships" xmlns:p="http://schemas.openxmlformats.org/presentationml/2006/main">
+  <p:cSld>
+    <p:spTree>
+      <p:nvGrpSpPr>
+        <p:cNvPr id="1" name=""/>
+        <p:cNvGrpSpPr/>
+        <p:nvPr/>
+      </p:nvGrpSpPr>
+      <p:grpSpPr>
+        <a:xfrm>
+          <a:off x="0" y="0"/>
+          <a:ext cx="0" cy="0"/>
+          <a:chOff x="0" y="0"/>
+          <a:chExt cx="0" cy="0"/>
+        </a:xfrm>
+      </p:grpSpPr>
+      <p:sp>
+        <p:nvSpPr>
+          <p:cNvPr id="2" name="Slide Image Placeholder 1"/>
+          <p:cNvSpPr>
+            <a:spLocks noGrp="1" noRot="1" noChangeAspect="1"/>
+          </p:cNvSpPr>
+          <p:nvPr>
+            <p:ph type="sldImg"/>
+          </p:nvPr>
+        </p:nvSpPr>
+        <p:spPr/>
+      </p:sp>
+      <p:sp>
+        <p:nvSpPr>
+          <p:cNvPr id="3" name="Notes Placeholder 2"/>
+          <p:cNvSpPr>
+            <a:spLocks noGrp="1"/>
+          </p:cNvSpPr>
+          <p:nvPr>
+            <p:ph type="body" idx="1"/>
+          </p:nvPr>
+        </p:nvSpPr>
+        <p:spPr/>
+        <p:txBody>
+          <a:bodyPr/>
+          <a:lstStyle/>
+          <a:p>
+            <a:endParaRPr lang="en-US" dirty="0"/>
+          </a:p>
+        </p:txBody>
+      </p:sp>
+      <p:sp>
+        <p:nvSpPr>
+          <p:cNvPr id="4" name="Slide Number Placeholder 3"/>
+          <p:cNvSpPr>
+            <a:spLocks noGrp="1"/>
+          </p:cNvSpPr>
+          <p:nvPr>
+            <p:ph type="sldNum" sz="quarter" idx="5"/>
+          </p:nvPr>
+        </p:nvSpPr>
+        <p:spPr/>
+        <p:txBody>
+          <a:bodyPr/>
+          <a:lstStyle/>
+          <a:p>
+            <a:fld id="{A0B2AFE7-C46D-4677-8F3A-BAC877838E0B}" type="slidenum">
+              <a:rPr lang="en-US" smtClean="0"/>
+              <a:t>3</a:t>
+            </a:fld>
+            <a:endParaRPr lang="en-US"/>
+          </a:p>
+        </p:txBody>
+      </p:sp>
+    </p:spTree>
+    <p:extLst>
+      <p:ext uri="{BB962C8B-B14F-4D97-AF65-F5344CB8AC3E}">
+        <p14:creationId xmlns:p14="http://schemas.microsoft.com/office/powerpoint/2010/main" val="4122107412"/>
+      </p:ext>
+    </p:extLst>
+  </p:cSld>
+  <p:clrMapOvr>
+    <a:masterClrMapping/>
+  </p:clrMapOvr>
+</p:notes>
+</file>
+
+<file path=ppt/notesSlides/notesSlide3.xml><?xml version="1.0" encoding="utf-8"?>
+<p:notes xmlns:a="http://schemas.openxmlformats.org/drawingml/2006/main" xmlns:r="http://schemas.openxmlformats.org/officeDocument/2006/relationships" xmlns:p="http://schemas.openxmlformats.org/presentationml/2006/main">
+  <p:cSld>
+    <p:spTree>
+      <p:nvGrpSpPr>
+        <p:cNvPr id="1" name=""/>
+        <p:cNvGrpSpPr/>
+        <p:nvPr/>
+      </p:nvGrpSpPr>
+      <p:grpSpPr>
+        <a:xfrm>
+          <a:off x="0" y="0"/>
+          <a:ext cx="0" cy="0"/>
+          <a:chOff x="0" y="0"/>
+          <a:chExt cx="0" cy="0"/>
+        </a:xfrm>
+      </p:grpSpPr>
+      <p:sp>
+        <p:nvSpPr>
+          <p:cNvPr id="2" name="Slide Image Placeholder 1"/>
+          <p:cNvSpPr>
+            <a:spLocks noGrp="1" noRot="1" noChangeAspect="1"/>
+          </p:cNvSpPr>
+          <p:nvPr>
+            <p:ph type="sldImg"/>
+          </p:nvPr>
+        </p:nvSpPr>
+        <p:spPr/>
+      </p:sp>
+      <p:sp>
+        <p:nvSpPr>
+          <p:cNvPr id="3" name="Notes Placeholder 2"/>
+          <p:cNvSpPr>
+            <a:spLocks noGrp="1"/>
+          </p:cNvSpPr>
+          <p:nvPr>
+            <p:ph type="body" idx="1"/>
+          </p:nvPr>
+        </p:nvSpPr>
+        <p:spPr/>
+        <p:txBody>
+          <a:bodyPr/>
+          <a:lstStyle/>
+          <a:p>
+            <a:endParaRPr lang="en-US" dirty="0"/>
+          </a:p>
+        </p:txBody>
+      </p:sp>
+      <p:sp>
+        <p:nvSpPr>
+          <p:cNvPr id="4" name="Slide Number Placeholder 3"/>
+          <p:cNvSpPr>
+            <a:spLocks noGrp="1"/>
+          </p:cNvSpPr>
+          <p:nvPr>
+            <p:ph type="sldNum" sz="quarter" idx="5"/>
+          </p:nvPr>
+        </p:nvSpPr>
+        <p:spPr/>
+        <p:txBody>
+          <a:bodyPr/>
+          <a:lstStyle/>
+          <a:p>
+            <a:fld id="{A0B2AFE7-C46D-4677-8F3A-BAC877838E0B}" type="slidenum">
+              <a:rPr lang="en-US" smtClean="0"/>
+              <a:t>5</a:t>
+            </a:fld>
+            <a:endParaRPr lang="en-US"/>
+          </a:p>
+        </p:txBody>
+      </p:sp>
+    </p:spTree>
+    <p:extLst>
+      <p:ext uri="{BB962C8B-B14F-4D97-AF65-F5344CB8AC3E}">
+        <p14:creationId xmlns:p14="http://schemas.microsoft.com/office/powerpoint/2010/main" val="318416671"/>
+      </p:ext>
+    </p:extLst>
+  </p:cSld>
+  <p:clrMapOvr>
+    <a:masterClrMapping/>
+  </p:clrMapOvr>
+</p:notes>
+</file>
+
+<file path=ppt/notesSlides/notesSlide4.xml><?xml version="1.0" encoding="utf-8"?>
+<p:notes xmlns:a="http://schemas.openxmlformats.org/drawingml/2006/main" xmlns:r="http://schemas.openxmlformats.org/officeDocument/2006/relationships" xmlns:p="http://schemas.openxmlformats.org/presentationml/2006/main">
+  <p:cSld>
+    <p:spTree>
+      <p:nvGrpSpPr>
+        <p:cNvPr id="1" name=""/>
+        <p:cNvGrpSpPr/>
+        <p:nvPr/>
+      </p:nvGrpSpPr>
+      <p:grpSpPr>
+        <a:xfrm>
+          <a:off x="0" y="0"/>
+          <a:ext cx="0" cy="0"/>
+          <a:chOff x="0" y="0"/>
+          <a:chExt cx="0" cy="0"/>
+        </a:xfrm>
+      </p:grpSpPr>
+      <p:sp>
+        <p:nvSpPr>
+          <p:cNvPr id="2" name="Slide Image Placeholder 1"/>
+          <p:cNvSpPr>
+            <a:spLocks noGrp="1" noRot="1" noChangeAspect="1"/>
+          </p:cNvSpPr>
+          <p:nvPr>
+            <p:ph type="sldImg"/>
+          </p:nvPr>
+        </p:nvSpPr>
+        <p:spPr/>
+      </p:sp>
+      <p:sp>
+        <p:nvSpPr>
+          <p:cNvPr id="3" name="Notes Placeholder 2"/>
+          <p:cNvSpPr>
+            <a:spLocks noGrp="1"/>
+          </p:cNvSpPr>
+          <p:nvPr>
+            <p:ph type="body" idx="1"/>
+          </p:nvPr>
+        </p:nvSpPr>
+        <p:spPr/>
+        <p:txBody>
+          <a:bodyPr/>
+          <a:lstStyle/>
+          <a:p>
+            <a:endParaRPr lang="en-US" dirty="0"/>
+          </a:p>
+        </p:txBody>
+      </p:sp>
+      <p:sp>
+        <p:nvSpPr>
+          <p:cNvPr id="4" name="Slide Number Placeholder 3"/>
+          <p:cNvSpPr>
+            <a:spLocks noGrp="1"/>
+          </p:cNvSpPr>
+          <p:nvPr>
+            <p:ph type="sldNum" sz="quarter" idx="5"/>
+          </p:nvPr>
+        </p:nvSpPr>
+        <p:spPr/>
+        <p:txBody>
+          <a:bodyPr/>
+          <a:lstStyle/>
+          <a:p>
+            <a:fld id="{A0B2AFE7-C46D-4677-8F3A-BAC877838E0B}" type="slidenum">
+              <a:rPr lang="en-US" smtClean="0"/>
+              <a:t>6</a:t>
+            </a:fld>
+            <a:endParaRPr lang="en-US"/>
+          </a:p>
+        </p:txBody>
+      </p:sp>
+    </p:spTree>
+    <p:extLst>
+      <p:ext uri="{BB962C8B-B14F-4D97-AF65-F5344CB8AC3E}">
+        <p14:creationId xmlns:p14="http://schemas.microsoft.com/office/powerpoint/2010/main" val="1514753964"/>
+      </p:ext>
+    </p:extLst>
+  </p:cSld>
+  <p:clrMapOvr>
+    <a:masterClrMapping/>
+  </p:clrMapOvr>
+</p:notes>
+</file>
+
+<file path=ppt/notesSlides/notesSlide5.xml><?xml version="1.0" encoding="utf-8"?>
+<p:notes xmlns:a="http://schemas.openxmlformats.org/drawingml/2006/main" xmlns:r="http://schemas.openxmlformats.org/officeDocument/2006/relationships" xmlns:p="http://schemas.openxmlformats.org/presentationml/2006/main">
+  <p:cSld>
+    <p:spTree>
+      <p:nvGrpSpPr>
+        <p:cNvPr id="1" name=""/>
+        <p:cNvGrpSpPr/>
+        <p:nvPr/>
+      </p:nvGrpSpPr>
+      <p:grpSpPr>
+        <a:xfrm>
+          <a:off x="0" y="0"/>
+          <a:ext cx="0" cy="0"/>
+          <a:chOff x="0" y="0"/>
+          <a:chExt cx="0" cy="0"/>
+        </a:xfrm>
+      </p:grpSpPr>
+      <p:sp>
+        <p:nvSpPr>
+          <p:cNvPr id="2" name="Slide Image Placeholder 1"/>
+          <p:cNvSpPr>
+            <a:spLocks noGrp="1" noRot="1" noChangeAspect="1"/>
+          </p:cNvSpPr>
+          <p:nvPr>
+            <p:ph type="sldImg"/>
+          </p:nvPr>
+        </p:nvSpPr>
+        <p:spPr/>
+      </p:sp>
+      <p:sp>
+        <p:nvSpPr>
+          <p:cNvPr id="3" name="Notes Placeholder 2"/>
+          <p:cNvSpPr>
+            <a:spLocks noGrp="1"/>
+          </p:cNvSpPr>
+          <p:nvPr>
+            <p:ph type="body" idx="1"/>
+          </p:nvPr>
+        </p:nvSpPr>
+        <p:spPr/>
+        <p:txBody>
+          <a:bodyPr/>
+          <a:lstStyle/>
+          <a:p>
+            <a:endParaRPr lang="en-US" dirty="0"/>
+          </a:p>
+        </p:txBody>
+      </p:sp>
+      <p:sp>
+        <p:nvSpPr>
+          <p:cNvPr id="4" name="Slide Number Placeholder 3"/>
+          <p:cNvSpPr>
+            <a:spLocks noGrp="1"/>
+          </p:cNvSpPr>
+          <p:nvPr>
+            <p:ph type="sldNum" sz="quarter" idx="5"/>
+          </p:nvPr>
+        </p:nvSpPr>
+        <p:spPr/>
+        <p:txBody>
+          <a:bodyPr/>
+          <a:lstStyle/>
+          <a:p>
+            <a:fld id="{A0B2AFE7-C46D-4677-8F3A-BAC877838E0B}" type="slidenum">
+              <a:rPr lang="en-US" smtClean="0"/>
+              <a:t>8</a:t>
+            </a:fld>
+            <a:endParaRPr lang="en-US"/>
+          </a:p>
+        </p:txBody>
+      </p:sp>
+    </p:spTree>
+    <p:extLst>
+      <p:ext uri="{BB962C8B-B14F-4D97-AF65-F5344CB8AC3E}">
+        <p14:creationId xmlns:p14="http://schemas.microsoft.com/office/powerpoint/2010/main" val="3400630843"/>
+      </p:ext>
+    </p:extLst>
+  </p:cSld>
+  <p:clrMapOvr>
+    <a:masterClrMapping/>
+  </p:clrMapOvr>
+</p:notes>
+</file>
+
+<file path=ppt/notesSlides/notesSlide6.xml><?xml version="1.0" encoding="utf-8"?>
+<p:notes xmlns:a="http://schemas.openxmlformats.org/drawingml/2006/main" xmlns:r="http://schemas.openxmlformats.org/officeDocument/2006/relationships" xmlns:p="http://schemas.openxmlformats.org/presentationml/2006/main">
+  <p:cSld>
+    <p:spTree>
+      <p:nvGrpSpPr>
+        <p:cNvPr id="1" name=""/>
+        <p:cNvGrpSpPr/>
+        <p:nvPr/>
+      </p:nvGrpSpPr>
+      <p:grpSpPr>
+        <a:xfrm>
+          <a:off x="0" y="0"/>
+          <a:ext cx="0" cy="0"/>
+          <a:chOff x="0" y="0"/>
+          <a:chExt cx="0" cy="0"/>
+        </a:xfrm>
+      </p:grpSpPr>
+      <p:sp>
+        <p:nvSpPr>
+          <p:cNvPr id="2" name="Slide Image Placeholder 1"/>
+          <p:cNvSpPr>
+            <a:spLocks noGrp="1" noRot="1" noChangeAspect="1"/>
+          </p:cNvSpPr>
+          <p:nvPr>
+            <p:ph type="sldImg"/>
+          </p:nvPr>
+        </p:nvSpPr>
+        <p:spPr/>
+      </p:sp>
+      <p:sp>
+        <p:nvSpPr>
+          <p:cNvPr id="3" name="Notes Placeholder 2"/>
+          <p:cNvSpPr>
+            <a:spLocks noGrp="1"/>
+          </p:cNvSpPr>
+          <p:nvPr>
+            <p:ph type="body" idx="1"/>
+          </p:nvPr>
+        </p:nvSpPr>
+        <p:spPr/>
+        <p:txBody>
+          <a:bodyPr/>
+          <a:lstStyle/>
+          <a:p>
+            <a:endParaRPr lang="en-US" dirty="0"/>
+          </a:p>
+        </p:txBody>
+      </p:sp>
+      <p:sp>
+        <p:nvSpPr>
+          <p:cNvPr id="4" name="Slide Number Placeholder 3"/>
+          <p:cNvSpPr>
+            <a:spLocks noGrp="1"/>
+          </p:cNvSpPr>
+          <p:nvPr>
+            <p:ph type="sldNum" sz="quarter" idx="5"/>
+          </p:nvPr>
+        </p:nvSpPr>
+        <p:spPr/>
+        <p:txBody>
+          <a:bodyPr/>
+          <a:lstStyle/>
+          <a:p>
+            <a:fld id="{A0B2AFE7-C46D-4677-8F3A-BAC877838E0B}" type="slidenum">
+              <a:rPr lang="en-US" smtClean="0"/>
+              <a:t>9</a:t>
+            </a:fld>
+            <a:endParaRPr lang="en-US"/>
+          </a:p>
+        </p:txBody>
+      </p:sp>
+    </p:spTree>
+    <p:extLst>
+      <p:ext uri="{BB962C8B-B14F-4D97-AF65-F5344CB8AC3E}">
+        <p14:creationId xmlns:p14="http://schemas.microsoft.com/office/powerpoint/2010/main" val="312702637"/>
+      </p:ext>
+    </p:extLst>
+  </p:cSld>
+  <p:clrMapOvr>
+    <a:masterClrMapping/>
+  </p:clrMapOvr>
+</p:notes>
+</file>
+
 <file path=ppt/slideLayouts/slideLayout1.xml><?xml version="1.0" encoding="utf-8"?>
 <p:sldLayout xmlns:a="http://schemas.openxmlformats.org/drawingml/2006/main" xmlns:r="http://schemas.openxmlformats.org/officeDocument/2006/relationships" xmlns:p="http://schemas.openxmlformats.org/presentationml/2006/main" type="title" preserve="1">
   <p:cSld name="Title Slide">
@@ -712,7 +1138,7 @@
           <a:p>
             <a:fld id="{2F3E8B1C-86EF-43CF-8304-249481088644}" type="datetimeFigureOut">
               <a:rPr lang="en-US" smtClean="0"/>
-              <a:t>2/28/2022</a:t>
+              <a:t>4/27/2022</a:t>
             </a:fld>
             <a:endParaRPr lang="en-US"/>
           </a:p>
@@ -910,7 +1336,7 @@
           <a:p>
             <a:fld id="{2F3E8B1C-86EF-43CF-8304-249481088644}" type="datetimeFigureOut">
               <a:rPr lang="en-US" smtClean="0"/>
-              <a:t>2/28/2022</a:t>
+              <a:t>4/27/2022</a:t>
             </a:fld>
             <a:endParaRPr lang="en-US"/>
           </a:p>
@@ -1118,7 +1544,7 @@
           <a:p>
             <a:fld id="{2F3E8B1C-86EF-43CF-8304-249481088644}" type="datetimeFigureOut">
               <a:rPr lang="en-US" smtClean="0"/>
-              <a:t>2/28/2022</a:t>
+              <a:t>4/27/2022</a:t>
             </a:fld>
             <a:endParaRPr lang="en-US"/>
           </a:p>
@@ -1316,7 +1742,7 @@
           <a:p>
             <a:fld id="{2F3E8B1C-86EF-43CF-8304-249481088644}" type="datetimeFigureOut">
               <a:rPr lang="en-US" smtClean="0"/>
-              <a:t>2/28/2022</a:t>
+              <a:t>4/27/2022</a:t>
             </a:fld>
             <a:endParaRPr lang="en-US"/>
           </a:p>
@@ -1591,7 +2017,7 @@
           <a:p>
             <a:fld id="{2F3E8B1C-86EF-43CF-8304-249481088644}" type="datetimeFigureOut">
               <a:rPr lang="en-US" smtClean="0"/>
-              <a:t>2/28/2022</a:t>
+              <a:t>4/27/2022</a:t>
             </a:fld>
             <a:endParaRPr lang="en-US"/>
           </a:p>
@@ -1861,7 +2287,7 @@
           <a:p>
             <a:fld id="{2F3E8B1C-86EF-43CF-8304-249481088644}" type="datetimeFigureOut">
               <a:rPr lang="en-US" smtClean="0"/>
-              <a:t>2/28/2022</a:t>
+              <a:t>4/27/2022</a:t>
             </a:fld>
             <a:endParaRPr lang="en-US"/>
           </a:p>
@@ -2281,7 +2707,7 @@
           <a:p>
             <a:fld id="{2F3E8B1C-86EF-43CF-8304-249481088644}" type="datetimeFigureOut">
               <a:rPr lang="en-US" smtClean="0"/>
-              <a:t>2/28/2022</a:t>
+              <a:t>4/27/2022</a:t>
             </a:fld>
             <a:endParaRPr lang="en-US"/>
           </a:p>
@@ -2422,7 +2848,7 @@
           <a:p>
             <a:fld id="{2F3E8B1C-86EF-43CF-8304-249481088644}" type="datetimeFigureOut">
               <a:rPr lang="en-US" smtClean="0"/>
-              <a:t>2/28/2022</a:t>
+              <a:t>4/27/2022</a:t>
             </a:fld>
             <a:endParaRPr lang="en-US"/>
           </a:p>
@@ -2535,7 +2961,7 @@
           <a:p>
             <a:fld id="{2F3E8B1C-86EF-43CF-8304-249481088644}" type="datetimeFigureOut">
               <a:rPr lang="en-US" smtClean="0"/>
-              <a:t>2/28/2022</a:t>
+              <a:t>4/27/2022</a:t>
             </a:fld>
             <a:endParaRPr lang="en-US"/>
           </a:p>
@@ -2846,7 +3272,7 @@
           <a:p>
             <a:fld id="{2F3E8B1C-86EF-43CF-8304-249481088644}" type="datetimeFigureOut">
               <a:rPr lang="en-US" smtClean="0"/>
-              <a:t>2/28/2022</a:t>
+              <a:t>4/27/2022</a:t>
             </a:fld>
             <a:endParaRPr lang="en-US"/>
           </a:p>
@@ -3134,7 +3560,7 @@
           <a:p>
             <a:fld id="{2F3E8B1C-86EF-43CF-8304-249481088644}" type="datetimeFigureOut">
               <a:rPr lang="en-US" smtClean="0"/>
-              <a:t>2/28/2022</a:t>
+              <a:t>4/27/2022</a:t>
             </a:fld>
             <a:endParaRPr lang="en-US"/>
           </a:p>
@@ -3375,7 +3801,7 @@
             <a:fld id="{2F3E8B1C-86EF-43CF-8304-249481088644}" type="datetimeFigureOut">
               <a:rPr lang="en-US" smtClean="0"/>
               <a:pPr/>
-              <a:t>2/28/2022</a:t>
+              <a:t>4/27/2022</a:t>
             </a:fld>
             <a:endParaRPr lang="en-US" dirty="0"/>
           </a:p>
@@ -4349,6 +4775,493 @@
 </p:sld>
 </file>
 
+<file path=ppt/slides/slide10.xml><?xml version="1.0" encoding="utf-8"?>
+<p:sld xmlns:a="http://schemas.openxmlformats.org/drawingml/2006/main" xmlns:r="http://schemas.openxmlformats.org/officeDocument/2006/relationships" xmlns:p="http://schemas.openxmlformats.org/presentationml/2006/main">
+  <p:cSld>
+    <p:spTree>
+      <p:nvGrpSpPr>
+        <p:cNvPr id="1" name=""/>
+        <p:cNvGrpSpPr/>
+        <p:nvPr/>
+      </p:nvGrpSpPr>
+      <p:grpSpPr>
+        <a:xfrm>
+          <a:off x="0" y="0"/>
+          <a:ext cx="0" cy="0"/>
+          <a:chOff x="0" y="0"/>
+          <a:chExt cx="0" cy="0"/>
+        </a:xfrm>
+      </p:grpSpPr>
+      <p:sp>
+        <p:nvSpPr>
+          <p:cNvPr id="2" name="Title 1">
+            <a:extLst>
+              <a:ext uri="{FF2B5EF4-FFF2-40B4-BE49-F238E27FC236}">
+                <a16:creationId xmlns:a16="http://schemas.microsoft.com/office/drawing/2014/main" id="{B8997F85-F7A8-4894-BA7E-4C4FED7EDC06}"/>
+              </a:ext>
+            </a:extLst>
+          </p:cNvPr>
+          <p:cNvSpPr>
+            <a:spLocks noGrp="1"/>
+          </p:cNvSpPr>
+          <p:nvPr>
+            <p:ph type="title"/>
+          </p:nvPr>
+        </p:nvSpPr>
+        <p:spPr/>
+        <p:txBody>
+          <a:bodyPr>
+            <a:normAutofit/>
+          </a:bodyPr>
+          <a:lstStyle/>
+          <a:p>
+            <a:r>
+              <a:rPr lang="en-US" altLang="en-US" sz="3200" b="1" cap="none" dirty="0">
+                <a:latin typeface="-apple-system"/>
+              </a:rPr>
+              <a:t>T</a:t>
+            </a:r>
+            <a:r>
+              <a:rPr kumimoji="0" lang="en-US" altLang="en-US" sz="3200" b="1" i="0" u="none" strike="noStrike" cap="none" normalizeH="0" baseline="0" dirty="0">
+                <a:ln>
+                  <a:noFill/>
+                </a:ln>
+                <a:solidFill>
+                  <a:schemeClr val="tx1"/>
+                </a:solidFill>
+                <a:effectLst/>
+                <a:latin typeface="-apple-system"/>
+              </a:rPr>
+              <a:t>he differences between species and their conservation status using the Chi Squared tests for significance testing</a:t>
+            </a:r>
+            <a:endParaRPr lang="en-US" sz="3200" dirty="0"/>
+          </a:p>
+        </p:txBody>
+      </p:sp>
+      <p:sp>
+        <p:nvSpPr>
+          <p:cNvPr id="3" name="Content Placeholder 2">
+            <a:extLst>
+              <a:ext uri="{FF2B5EF4-FFF2-40B4-BE49-F238E27FC236}">
+                <a16:creationId xmlns:a16="http://schemas.microsoft.com/office/drawing/2014/main" id="{383F6B0E-676C-45E0-B92A-A34B9D4C36EC}"/>
+              </a:ext>
+            </a:extLst>
+          </p:cNvPr>
+          <p:cNvSpPr>
+            <a:spLocks noGrp="1"/>
+          </p:cNvSpPr>
+          <p:nvPr>
+            <p:ph idx="1"/>
+          </p:nvPr>
+        </p:nvSpPr>
+        <p:spPr/>
+        <p:txBody>
+          <a:bodyPr>
+            <a:normAutofit/>
+          </a:bodyPr>
+          <a:lstStyle/>
+          <a:p>
+            <a:r>
+              <a:rPr lang="en-US" dirty="0"/>
+              <a:t>There were two tests run. A comparison between mammals and birds and a test between amphibians and mammals. </a:t>
+            </a:r>
+            <a:r>
+              <a:rPr lang="en-US" b="0" i="0" dirty="0">
+                <a:solidFill>
+                  <a:srgbClr val="000000"/>
+                </a:solidFill>
+                <a:effectLst/>
+                <a:latin typeface="Calisto MT" panose="02040603050505030304" pitchFamily="18" charset="0"/>
+              </a:rPr>
+              <a:t>The standard p-value to test statistical significance is 0.05. For the value given from this test, the value of 0.013 is smaller than 0.05. In the case of mammals and birds there does seem to be significant relationship between them. The variables are dependent.</a:t>
+            </a:r>
+          </a:p>
+          <a:p>
+            <a:r>
+              <a:rPr lang="en-US" dirty="0">
+                <a:solidFill>
+                  <a:srgbClr val="000000"/>
+                </a:solidFill>
+                <a:latin typeface="Calisto MT" panose="02040603050505030304" pitchFamily="18" charset="0"/>
+              </a:rPr>
+              <a:t>For the test between </a:t>
+            </a:r>
+            <a:r>
+              <a:rPr lang="en-US" dirty="0"/>
+              <a:t>amphibians and mammals a value of .98 was given. In the case of mammals and amphibians there isn’t a significant relationship between them. The variables are independent. </a:t>
+            </a:r>
+            <a:br>
+              <a:rPr lang="en-US" b="0" i="0" dirty="0">
+                <a:solidFill>
+                  <a:srgbClr val="000000"/>
+                </a:solidFill>
+                <a:effectLst/>
+                <a:latin typeface="Calisto MT" panose="02040603050505030304" pitchFamily="18" charset="0"/>
+              </a:rPr>
+            </a:br>
+            <a:br>
+              <a:rPr lang="en-US" b="0" i="0" dirty="0">
+                <a:solidFill>
+                  <a:srgbClr val="000000"/>
+                </a:solidFill>
+                <a:effectLst/>
+                <a:latin typeface="Calisto MT" panose="02040603050505030304" pitchFamily="18" charset="0"/>
+              </a:rPr>
+            </a:br>
+            <a:endParaRPr lang="en-US" dirty="0">
+              <a:latin typeface="Calisto MT" panose="02040603050505030304" pitchFamily="18" charset="0"/>
+            </a:endParaRPr>
+          </a:p>
+        </p:txBody>
+      </p:sp>
+    </p:spTree>
+    <p:extLst>
+      <p:ext uri="{BB962C8B-B14F-4D97-AF65-F5344CB8AC3E}">
+        <p14:creationId xmlns:p14="http://schemas.microsoft.com/office/powerpoint/2010/main" val="3761336690"/>
+      </p:ext>
+    </p:extLst>
+  </p:cSld>
+  <p:clrMapOvr>
+    <a:masterClrMapping/>
+  </p:clrMapOvr>
+</p:sld>
+</file>
+
+<file path=ppt/slides/slide11.xml><?xml version="1.0" encoding="utf-8"?>
+<p:sld xmlns:a="http://schemas.openxmlformats.org/drawingml/2006/main" xmlns:r="http://schemas.openxmlformats.org/officeDocument/2006/relationships" xmlns:p="http://schemas.openxmlformats.org/presentationml/2006/main">
+  <p:cSld>
+    <p:spTree>
+      <p:nvGrpSpPr>
+        <p:cNvPr id="1" name=""/>
+        <p:cNvGrpSpPr/>
+        <p:nvPr/>
+      </p:nvGrpSpPr>
+      <p:grpSpPr>
+        <a:xfrm>
+          <a:off x="0" y="0"/>
+          <a:ext cx="0" cy="0"/>
+          <a:chOff x="0" y="0"/>
+          <a:chExt cx="0" cy="0"/>
+        </a:xfrm>
+      </p:grpSpPr>
+      <p:sp>
+        <p:nvSpPr>
+          <p:cNvPr id="2" name="Title 1">
+            <a:extLst>
+              <a:ext uri="{FF2B5EF4-FFF2-40B4-BE49-F238E27FC236}">
+                <a16:creationId xmlns:a16="http://schemas.microsoft.com/office/drawing/2014/main" id="{093A5C23-A779-486A-883F-07455D5D7A20}"/>
+              </a:ext>
+            </a:extLst>
+          </p:cNvPr>
+          <p:cNvSpPr>
+            <a:spLocks noGrp="1"/>
+          </p:cNvSpPr>
+          <p:nvPr>
+            <p:ph type="title"/>
+          </p:nvPr>
+        </p:nvSpPr>
+        <p:spPr>
+          <a:xfrm>
+            <a:off x="678426" y="781664"/>
+            <a:ext cx="4093599" cy="1305319"/>
+          </a:xfrm>
+        </p:spPr>
+        <p:txBody>
+          <a:bodyPr>
+            <a:normAutofit fontScale="90000"/>
+          </a:bodyPr>
+          <a:lstStyle/>
+          <a:p>
+            <a:r>
+              <a:rPr lang="en-US" dirty="0"/>
+              <a:t>Most observed animal by scientific name</a:t>
+            </a:r>
+          </a:p>
+        </p:txBody>
+      </p:sp>
+      <p:pic>
+        <p:nvPicPr>
+          <p:cNvPr id="6" name="Content Placeholder 5">
+            <a:extLst>
+              <a:ext uri="{FF2B5EF4-FFF2-40B4-BE49-F238E27FC236}">
+                <a16:creationId xmlns:a16="http://schemas.microsoft.com/office/drawing/2014/main" id="{389D3C98-C095-416F-BC98-75052C217F04}"/>
+              </a:ext>
+            </a:extLst>
+          </p:cNvPr>
+          <p:cNvPicPr>
+            <a:picLocks noGrp="1" noChangeAspect="1"/>
+          </p:cNvPicPr>
+          <p:nvPr>
+            <p:ph idx="1"/>
+          </p:nvPr>
+        </p:nvPicPr>
+        <p:blipFill>
+          <a:blip r:embed="rId2">
+            <a:extLst>
+              <a:ext uri="{28A0092B-C50C-407E-A947-70E740481C1C}">
+                <a14:useLocalDpi xmlns:a14="http://schemas.microsoft.com/office/drawing/2010/main" val="0"/>
+              </a:ext>
+            </a:extLst>
+          </a:blip>
+          <a:srcRect/>
+          <a:stretch/>
+        </p:blipFill>
+        <p:spPr>
+          <a:xfrm>
+            <a:off x="5824538" y="781663"/>
+            <a:ext cx="5417204" cy="5285649"/>
+          </a:xfrm>
+        </p:spPr>
+      </p:pic>
+      <p:sp>
+        <p:nvSpPr>
+          <p:cNvPr id="4" name="Text Placeholder 3">
+            <a:extLst>
+              <a:ext uri="{FF2B5EF4-FFF2-40B4-BE49-F238E27FC236}">
+                <a16:creationId xmlns:a16="http://schemas.microsoft.com/office/drawing/2014/main" id="{BCF41351-D12C-45CE-BB37-B00BACF24F62}"/>
+              </a:ext>
+            </a:extLst>
+          </p:cNvPr>
+          <p:cNvSpPr>
+            <a:spLocks noGrp="1"/>
+          </p:cNvSpPr>
+          <p:nvPr>
+            <p:ph type="body" sz="half" idx="2"/>
+          </p:nvPr>
+        </p:nvSpPr>
+        <p:spPr/>
+        <p:txBody>
+          <a:bodyPr>
+            <a:normAutofit lnSpcReduction="10000"/>
+          </a:bodyPr>
+          <a:lstStyle/>
+          <a:p>
+            <a:r>
+              <a:rPr lang="en-US" dirty="0"/>
+              <a:t>The scientific name was used to make this chart of the top 5 most observed animals. All four parks were totaled. In this chart the definition of animal was used: “</a:t>
+            </a:r>
+            <a:r>
+              <a:rPr lang="en-US" b="0" i="0" dirty="0">
+                <a:solidFill>
+                  <a:srgbClr val="111111"/>
+                </a:solidFill>
+                <a:effectLst/>
+                <a:latin typeface="Roboto" panose="020B0604020202020204" pitchFamily="2" charset="0"/>
+              </a:rPr>
+              <a:t>a living organism that feeds on organic matter, typically having specialized sense organs and nervous system and able to respond rapidly to stimuli.” </a:t>
+            </a:r>
+            <a:br>
+              <a:rPr lang="en-US" b="0" i="0" dirty="0">
+                <a:solidFill>
+                  <a:srgbClr val="111111"/>
+                </a:solidFill>
+                <a:effectLst/>
+                <a:latin typeface="Roboto" panose="020B0604020202020204" pitchFamily="2" charset="0"/>
+              </a:rPr>
+            </a:br>
+            <a:r>
+              <a:rPr lang="en-US" b="0" i="0" dirty="0">
+                <a:solidFill>
+                  <a:srgbClr val="111111"/>
+                </a:solidFill>
+                <a:effectLst/>
+              </a:rPr>
+              <a:t>Birds, mammals, fish etc. were included. As you can see, </a:t>
+            </a:r>
+            <a:r>
+              <a:rPr lang="en-US" dirty="0">
+                <a:solidFill>
+                  <a:srgbClr val="111111"/>
+                </a:solidFill>
+              </a:rPr>
+              <a:t>this chart</a:t>
+            </a:r>
+            <a:r>
+              <a:rPr lang="en-US" b="0" i="0" dirty="0">
+                <a:solidFill>
+                  <a:srgbClr val="111111"/>
+                </a:solidFill>
+                <a:effectLst/>
+              </a:rPr>
+              <a:t> has a most observed animal that was different from the common name chart. </a:t>
+            </a:r>
+            <a:endParaRPr lang="en-US" dirty="0"/>
+          </a:p>
+          <a:p>
+            <a:endParaRPr lang="en-US" dirty="0"/>
+          </a:p>
+        </p:txBody>
+      </p:sp>
+    </p:spTree>
+    <p:extLst>
+      <p:ext uri="{BB962C8B-B14F-4D97-AF65-F5344CB8AC3E}">
+        <p14:creationId xmlns:p14="http://schemas.microsoft.com/office/powerpoint/2010/main" val="3835019617"/>
+      </p:ext>
+    </p:extLst>
+  </p:cSld>
+  <p:clrMapOvr>
+    <a:masterClrMapping/>
+  </p:clrMapOvr>
+</p:sld>
+</file>
+
+<file path=ppt/slides/slide12.xml><?xml version="1.0" encoding="utf-8"?>
+<p:sld xmlns:a="http://schemas.openxmlformats.org/drawingml/2006/main" xmlns:r="http://schemas.openxmlformats.org/officeDocument/2006/relationships" xmlns:p="http://schemas.openxmlformats.org/presentationml/2006/main">
+  <p:cSld>
+    <p:spTree>
+      <p:nvGrpSpPr>
+        <p:cNvPr id="1" name=""/>
+        <p:cNvGrpSpPr/>
+        <p:nvPr/>
+      </p:nvGrpSpPr>
+      <p:grpSpPr>
+        <a:xfrm>
+          <a:off x="0" y="0"/>
+          <a:ext cx="0" cy="0"/>
+          <a:chOff x="0" y="0"/>
+          <a:chExt cx="0" cy="0"/>
+        </a:xfrm>
+      </p:grpSpPr>
+      <p:sp>
+        <p:nvSpPr>
+          <p:cNvPr id="2" name="Title 1">
+            <a:extLst>
+              <a:ext uri="{FF2B5EF4-FFF2-40B4-BE49-F238E27FC236}">
+                <a16:creationId xmlns:a16="http://schemas.microsoft.com/office/drawing/2014/main" id="{6BC1EC3E-9CA7-4680-8465-BE644FBA8E29}"/>
+              </a:ext>
+            </a:extLst>
+          </p:cNvPr>
+          <p:cNvSpPr>
+            <a:spLocks noGrp="1"/>
+          </p:cNvSpPr>
+          <p:nvPr>
+            <p:ph type="title"/>
+          </p:nvPr>
+        </p:nvSpPr>
+        <p:spPr>
+          <a:xfrm>
+            <a:off x="678426" y="781664"/>
+            <a:ext cx="4093599" cy="1294561"/>
+          </a:xfrm>
+        </p:spPr>
+        <p:txBody>
+          <a:bodyPr>
+            <a:normAutofit fontScale="90000"/>
+          </a:bodyPr>
+          <a:lstStyle/>
+          <a:p>
+            <a:r>
+              <a:rPr lang="en-US" dirty="0"/>
+              <a:t>Most Observed Animal  by Common NAme</a:t>
+            </a:r>
+          </a:p>
+        </p:txBody>
+      </p:sp>
+      <p:pic>
+        <p:nvPicPr>
+          <p:cNvPr id="6" name="Content Placeholder 5" descr="Chart, bar chart&#10;&#10;Description automatically generated">
+            <a:extLst>
+              <a:ext uri="{FF2B5EF4-FFF2-40B4-BE49-F238E27FC236}">
+                <a16:creationId xmlns:a16="http://schemas.microsoft.com/office/drawing/2014/main" id="{0AC7FD1E-AC28-4D20-A532-140770305088}"/>
+              </a:ext>
+            </a:extLst>
+          </p:cNvPr>
+          <p:cNvPicPr>
+            <a:picLocks noGrp="1" noChangeAspect="1"/>
+          </p:cNvPicPr>
+          <p:nvPr>
+            <p:ph idx="1"/>
+          </p:nvPr>
+        </p:nvPicPr>
+        <p:blipFill>
+          <a:blip r:embed="rId2">
+            <a:extLst>
+              <a:ext uri="{28A0092B-C50C-407E-A947-70E740481C1C}">
+                <a14:useLocalDpi xmlns:a14="http://schemas.microsoft.com/office/drawing/2010/main" val="0"/>
+              </a:ext>
+            </a:extLst>
+          </a:blip>
+          <a:stretch>
+            <a:fillRect/>
+          </a:stretch>
+        </p:blipFill>
+        <p:spPr>
+          <a:xfrm>
+            <a:off x="5832475" y="997585"/>
+            <a:ext cx="4873625" cy="4873625"/>
+          </a:xfrm>
+        </p:spPr>
+      </p:pic>
+      <p:sp>
+        <p:nvSpPr>
+          <p:cNvPr id="4" name="Text Placeholder 3">
+            <a:extLst>
+              <a:ext uri="{FF2B5EF4-FFF2-40B4-BE49-F238E27FC236}">
+                <a16:creationId xmlns:a16="http://schemas.microsoft.com/office/drawing/2014/main" id="{02BDC66D-84ED-47BB-91B3-797ECC5677CA}"/>
+              </a:ext>
+            </a:extLst>
+          </p:cNvPr>
+          <p:cNvSpPr>
+            <a:spLocks noGrp="1"/>
+          </p:cNvSpPr>
+          <p:nvPr>
+            <p:ph type="body" sz="half" idx="2"/>
+          </p:nvPr>
+        </p:nvSpPr>
+        <p:spPr/>
+        <p:txBody>
+          <a:bodyPr/>
+          <a:lstStyle/>
+          <a:p>
+            <a:r>
+              <a:rPr lang="en-US" dirty="0"/>
+              <a:t>The common animal name was used to make this chart of the top 9 most observed animals. All four parks were totaled. In this chart the definition of animal was used: “</a:t>
+            </a:r>
+            <a:r>
+              <a:rPr lang="en-US" b="0" i="0" dirty="0">
+                <a:solidFill>
+                  <a:srgbClr val="111111"/>
+                </a:solidFill>
+                <a:effectLst/>
+                <a:latin typeface="Roboto" panose="020B0604020202020204" pitchFamily="2" charset="0"/>
+              </a:rPr>
+              <a:t>a living organism that feeds on organic matter, typically having specialized sense organs and nervous system and able to respond rapidly to stimuli.” </a:t>
+            </a:r>
+            <a:br>
+              <a:rPr lang="en-US" b="0" i="0" dirty="0">
+                <a:solidFill>
+                  <a:srgbClr val="111111"/>
+                </a:solidFill>
+                <a:effectLst/>
+                <a:latin typeface="Roboto" panose="020B0604020202020204" pitchFamily="2" charset="0"/>
+              </a:rPr>
+            </a:br>
+            <a:r>
+              <a:rPr lang="en-US" b="0" i="0" dirty="0">
+                <a:solidFill>
+                  <a:srgbClr val="111111"/>
+                </a:solidFill>
+                <a:effectLst/>
+              </a:rPr>
+              <a:t>Birds, mammals, fish etc. were included. </a:t>
+            </a:r>
+            <a:endParaRPr lang="en-US" dirty="0"/>
+          </a:p>
+        </p:txBody>
+      </p:sp>
+    </p:spTree>
+    <p:extLst>
+      <p:ext uri="{BB962C8B-B14F-4D97-AF65-F5344CB8AC3E}">
+        <p14:creationId xmlns:p14="http://schemas.microsoft.com/office/powerpoint/2010/main" val="3488941730"/>
+      </p:ext>
+    </p:extLst>
+  </p:cSld>
+  <p:clrMapOvr>
+    <a:masterClrMapping/>
+  </p:clrMapOvr>
+</p:sld>
+</file>
+
 <file path=ppt/slides/slide2.xml><?xml version="1.0" encoding="utf-8"?>
 <p:sld xmlns:a="http://schemas.openxmlformats.org/drawingml/2006/main" xmlns:r="http://schemas.openxmlformats.org/officeDocument/2006/relationships" xmlns:p="http://schemas.openxmlformats.org/presentationml/2006/main">
   <p:cSld>
@@ -4356,7 +5269,7 @@
       <p:bgPr>
         <a:blipFill dpi="0" rotWithShape="1">
           <a:blip r:embed="rId3">
-            <a:alphaModFix amt="50000"/>
+            <a:alphaModFix amt="30000"/>
             <a:lum/>
             <a:extLst>
               <a:ext uri="{837473B0-CC2E-450A-ABE3-18F120FF3D39}">
@@ -4438,10 +5351,15 @@
             <p:ph idx="1"/>
           </p:nvPr>
         </p:nvSpPr>
-        <p:spPr/>
+        <p:spPr>
+          <a:xfrm>
+            <a:off x="750367" y="2299816"/>
+            <a:ext cx="10691265" cy="3636088"/>
+          </a:xfrm>
+        </p:spPr>
         <p:txBody>
           <a:bodyPr>
-            <a:normAutofit fontScale="92500" lnSpcReduction="20000"/>
+            <a:normAutofit lnSpcReduction="10000"/>
           </a:bodyPr>
           <a:lstStyle/>
           <a:p>
@@ -4549,6 +5467,35 @@
             </a:endParaRPr>
           </a:p>
           <a:p>
+            <a:pPr eaLnBrk="0" fontAlgn="base" hangingPunct="0">
+              <a:lnSpc>
+                <a:spcPct val="100000"/>
+              </a:lnSpc>
+              <a:spcBef>
+                <a:spcPct val="0"/>
+              </a:spcBef>
+              <a:spcAft>
+                <a:spcPct val="0"/>
+              </a:spcAft>
+            </a:pPr>
+            <a:r>
+              <a:rPr lang="en-US" sz="2000" b="1" i="0" dirty="0">
+                <a:effectLst/>
+                <a:latin typeface="-apple-system"/>
+              </a:rPr>
+              <a:t>What is being studied here ?</a:t>
+            </a:r>
+            <a:endParaRPr kumimoji="0" lang="en-US" altLang="en-US" sz="2000" b="1" i="0" u="none" strike="noStrike" cap="none" normalizeH="0" baseline="0" dirty="0">
+              <a:ln>
+                <a:noFill/>
+              </a:ln>
+              <a:solidFill>
+                <a:schemeClr val="tx1"/>
+              </a:solidFill>
+              <a:effectLst/>
+            </a:endParaRPr>
+          </a:p>
+          <a:p>
             <a:pPr marL="0" marR="0" lvl="0" indent="0" defTabSz="914400" rtl="0" eaLnBrk="0" fontAlgn="base" latinLnBrk="0" hangingPunct="0">
               <a:lnSpc>
                 <a:spcPct val="100000"/>
@@ -4566,21 +5513,10 @@
               <a:tabLst/>
             </a:pPr>
             <a:r>
-              <a:rPr lang="en-US" sz="2000" b="1" i="0" dirty="0">
-                <a:effectLst/>
+              <a:rPr lang="en-US" b="1" dirty="0">
                 <a:latin typeface="-apple-system"/>
               </a:rPr>
-              <a:t>What is the distribution of conservation status for species ? </a:t>
-            </a:r>
-            <a:r>
-              <a:rPr lang="en-US" sz="2000" b="1" i="0" dirty="0">
-                <a:solidFill>
-                  <a:srgbClr val="FF0000"/>
-                </a:solidFill>
-                <a:effectLst/>
-                <a:latin typeface="-apple-system"/>
-              </a:rPr>
-              <a:t>(slide5)</a:t>
+              <a:t>Where were the observations taken ? </a:t>
             </a:r>
           </a:p>
           <a:p>
@@ -4601,22 +5537,27 @@
               <a:tabLst/>
             </a:pPr>
             <a:r>
-              <a:rPr lang="en-US" sz="2000" b="1" i="0" dirty="0">
-                <a:effectLst/>
+              <a:rPr kumimoji="0" lang="en-US" altLang="en-US" b="1" u="none" strike="noStrike" cap="none" normalizeH="0" baseline="0" dirty="0">
+                <a:ln>
+                  <a:noFill/>
+                </a:ln>
+                <a:solidFill>
+                  <a:schemeClr val="tx1"/>
+                </a:solidFill>
                 <a:latin typeface="-apple-system"/>
               </a:rPr>
-              <a:t> What is being studied here ? </a:t>
-            </a:r>
-            <a:r>
-              <a:rPr lang="en-US" sz="2000" b="1" i="0" dirty="0">
-                <a:solidFill>
-                  <a:srgbClr val="FF0000"/>
-                </a:solidFill>
-                <a:effectLst/>
-                <a:latin typeface="-apple-system"/>
-              </a:rPr>
-              <a:t>(slide3, plants and animals)</a:t>
-            </a:r>
+              <a:t> What is the most observed animal category ?</a:t>
+            </a:r>
+            <a:endParaRPr kumimoji="0" lang="en-US" altLang="en-US" sz="2000" b="1" i="0" u="none" strike="noStrike" cap="none" normalizeH="0" baseline="0" dirty="0">
+              <a:ln>
+                <a:noFill/>
+              </a:ln>
+              <a:solidFill>
+                <a:srgbClr val="FF0000"/>
+              </a:solidFill>
+              <a:effectLst/>
+              <a:latin typeface="-apple-system"/>
+            </a:endParaRPr>
           </a:p>
           <a:p>
             <a:pPr marL="0" marR="0" lvl="0" indent="0" defTabSz="914400" rtl="0" eaLnBrk="0" fontAlgn="base" latinLnBrk="0" hangingPunct="0">
@@ -4636,21 +5577,70 @@
               <a:tabLst/>
             </a:pPr>
             <a:r>
-              <a:rPr lang="en-US" b="1" dirty="0">
+              <a:rPr kumimoji="0" lang="en-US" altLang="en-US" sz="2000" b="1" i="0" u="none" strike="noStrike" cap="none" normalizeH="0" baseline="0" dirty="0">
+                <a:ln>
+                  <a:noFill/>
+                </a:ln>
+                <a:solidFill>
+                  <a:schemeClr val="tx1"/>
+                </a:solidFill>
+                <a:effectLst/>
                 <a:latin typeface="-apple-system"/>
               </a:rPr>
-              <a:t> Where were the observations taken ? </a:t>
-            </a:r>
-            <a:r>
-              <a:rPr lang="en-US" b="1" dirty="0">
+              <a:t> How many </a:t>
+            </a:r>
+            <a:r>
+              <a:rPr kumimoji="0" lang="en-US" altLang="en-US" sz="2000" b="1" i="0" u="none" strike="noStrike" cap="none" normalizeH="0" baseline="0" dirty="0">
+                <a:ln>
+                  <a:noFill/>
+                </a:ln>
                 <a:solidFill>
-                  <a:srgbClr val="FF0000"/>
+                  <a:schemeClr val="tx2"/>
                 </a:solidFill>
+                <a:effectLst/>
                 <a:latin typeface="-apple-system"/>
               </a:rPr>
-              <a:t>(gives the abbreviations key for the rest of the slides(wrong, slide4))</a:t>
-            </a:r>
-            <a:endParaRPr lang="en-US" sz="2000" b="1" i="0" dirty="0">
+              <a:t>species </a:t>
+            </a:r>
+            <a:r>
+              <a:rPr kumimoji="0" lang="en-US" altLang="en-US" sz="2000" b="1" i="0" u="none" strike="noStrike" cap="none" normalizeH="0" baseline="0" dirty="0">
+                <a:ln>
+                  <a:noFill/>
+                </a:ln>
+                <a:solidFill>
+                  <a:schemeClr val="tx1"/>
+                </a:solidFill>
+                <a:effectLst/>
+                <a:latin typeface="-apple-system"/>
+              </a:rPr>
+              <a:t>are there in each category ?</a:t>
+            </a:r>
+          </a:p>
+          <a:p>
+            <a:pPr marL="0" indent="0" eaLnBrk="0" fontAlgn="base" hangingPunct="0">
+              <a:lnSpc>
+                <a:spcPct val="100000"/>
+              </a:lnSpc>
+              <a:spcBef>
+                <a:spcPct val="0"/>
+              </a:spcBef>
+              <a:spcAft>
+                <a:spcPct val="0"/>
+              </a:spcAft>
+              <a:buFontTx/>
+              <a:buChar char="•"/>
+            </a:pPr>
+            <a:r>
+              <a:rPr lang="en-US" sz="2000" b="1" i="0" dirty="0">
+                <a:effectLst/>
+                <a:latin typeface="-apple-system"/>
+              </a:rPr>
+              <a:t> What is the distribution of conservation status for species ? </a:t>
+            </a:r>
+            <a:endParaRPr kumimoji="0" lang="en-US" altLang="en-US" sz="2000" b="1" i="0" u="none" strike="noStrike" cap="none" normalizeH="0" baseline="0" dirty="0">
+              <a:ln>
+                <a:noFill/>
+              </a:ln>
               <a:solidFill>
                 <a:srgbClr val="FF0000"/>
               </a:solidFill>
@@ -4676,28 +5666,17 @@
               <a:tabLst/>
             </a:pPr>
             <a:r>
-              <a:rPr kumimoji="0" lang="en-US" altLang="en-US" b="1" u="none" strike="noStrike" cap="none" normalizeH="0" baseline="0" dirty="0">
+              <a:rPr kumimoji="0" lang="en-US" altLang="en-US" sz="2000" b="1" i="0" u="none" strike="noStrike" cap="none" normalizeH="0" baseline="0" dirty="0">
                 <a:ln>
                   <a:noFill/>
                 </a:ln>
                 <a:solidFill>
                   <a:schemeClr val="tx1"/>
                 </a:solidFill>
+                <a:effectLst/>
                 <a:latin typeface="-apple-system"/>
               </a:rPr>
-              <a:t>What is the most observed animal category ?</a:t>
-            </a:r>
-            <a:r>
-              <a:rPr kumimoji="0" lang="en-US" altLang="en-US" b="1" u="none" strike="noStrike" cap="none" normalizeH="0" baseline="0" dirty="0">
-                <a:ln>
-                  <a:noFill/>
-                </a:ln>
-                <a:solidFill>
-                  <a:srgbClr val="FF0000"/>
-                </a:solidFill>
-                <a:latin typeface="-apple-system"/>
-              </a:rPr>
-              <a:t>(6)</a:t>
+              <a:t> Are certain types of species more likely to be endangered? Which ones ? </a:t>
             </a:r>
             <a:endParaRPr kumimoji="0" lang="en-US" altLang="en-US" sz="2000" b="1" i="0" u="none" strike="noStrike" cap="none" normalizeH="0" baseline="0" dirty="0">
               <a:ln>
@@ -4709,81 +5688,6 @@
               <a:effectLst/>
               <a:latin typeface="-apple-system"/>
             </a:endParaRPr>
-          </a:p>
-          <a:p>
-            <a:pPr marL="0" marR="0" lvl="0" indent="0" defTabSz="914400" rtl="0" eaLnBrk="0" fontAlgn="base" latinLnBrk="0" hangingPunct="0">
-              <a:lnSpc>
-                <a:spcPct val="100000"/>
-              </a:lnSpc>
-              <a:spcBef>
-                <a:spcPct val="0"/>
-              </a:spcBef>
-              <a:spcAft>
-                <a:spcPct val="0"/>
-              </a:spcAft>
-              <a:buClrTx/>
-              <a:buSzTx/>
-              <a:buFontTx/>
-              <a:buChar char="•"/>
-              <a:tabLst/>
-            </a:pPr>
-            <a:r>
-              <a:rPr kumimoji="0" lang="en-US" altLang="en-US" sz="2000" b="1" i="0" u="none" strike="noStrike" cap="none" normalizeH="0" baseline="0" dirty="0">
-                <a:ln>
-                  <a:noFill/>
-                </a:ln>
-                <a:solidFill>
-                  <a:schemeClr val="tx1"/>
-                </a:solidFill>
-                <a:effectLst/>
-                <a:latin typeface="-apple-system"/>
-              </a:rPr>
-              <a:t>How many species are there in each category and each national park ?</a:t>
-            </a:r>
-            <a:r>
-              <a:rPr kumimoji="0" lang="en-US" altLang="en-US" sz="2000" b="1" i="0" u="none" strike="noStrike" cap="none" normalizeH="0" baseline="0" dirty="0">
-                <a:ln>
-                  <a:noFill/>
-                </a:ln>
-                <a:solidFill>
-                  <a:srgbClr val="FF0000"/>
-                </a:solidFill>
-                <a:effectLst/>
-                <a:latin typeface="-apple-system"/>
-              </a:rPr>
-              <a:t>(2, by park too)</a:t>
-            </a:r>
-          </a:p>
-          <a:p>
-            <a:pPr marL="0" marR="0" lvl="0" indent="0" defTabSz="914400" rtl="0" eaLnBrk="0" fontAlgn="base" latinLnBrk="0" hangingPunct="0">
-              <a:lnSpc>
-                <a:spcPct val="100000"/>
-              </a:lnSpc>
-              <a:spcBef>
-                <a:spcPct val="0"/>
-              </a:spcBef>
-              <a:spcAft>
-                <a:spcPct val="0"/>
-              </a:spcAft>
-              <a:buClrTx/>
-              <a:buSzTx/>
-              <a:buFontTx/>
-              <a:buChar char="•"/>
-              <a:tabLst/>
-            </a:pPr>
-            <a:r>
-              <a:rPr kumimoji="0" lang="en-US" altLang="en-US" sz="2000" b="1" i="0" u="none" strike="noStrike" cap="none" normalizeH="0" baseline="0" dirty="0">
-                <a:ln>
-                  <a:noFill/>
-                </a:ln>
-                <a:solidFill>
-                  <a:schemeClr val="tx1"/>
-                </a:solidFill>
-                <a:effectLst/>
-                <a:latin typeface="-apple-system"/>
-              </a:rPr>
-              <a:t>Are certain types of species more likely to be endangered? Which ones ? </a:t>
-            </a:r>
           </a:p>
           <a:p>
             <a:pPr marL="0" indent="0" eaLnBrk="0" fontAlgn="base" hangingPunct="0">
@@ -4810,24 +5714,17 @@
                 <a:effectLst/>
                 <a:latin typeface="-apple-system"/>
               </a:rPr>
-              <a:t>What are the differences between species and their conservation status and are they significant ? </a:t>
-            </a:r>
-            <a:r>
-              <a:rPr kumimoji="0" lang="en-US" altLang="en-US" sz="2000" b="1" i="0" u="none" strike="noStrike" cap="none" normalizeH="0" baseline="0" dirty="0">
-                <a:ln>
-                  <a:noFill/>
-                </a:ln>
-                <a:solidFill>
-                  <a:srgbClr val="FF0000"/>
-                </a:solidFill>
-                <a:effectLst/>
-                <a:latin typeface="-apple-system"/>
-              </a:rPr>
-              <a:t>(the hard one, not tried yet)</a:t>
-            </a:r>
-          </a:p>
-          <a:p>
-            <a:pPr marL="0" marR="0" lvl="0" indent="0" defTabSz="914400" rtl="0" eaLnBrk="0" fontAlgn="base" latinLnBrk="0" hangingPunct="0">
+              <a:t> What are the differences between species and their conservation status and are they significant ? </a:t>
+            </a:r>
+            <a:endParaRPr lang="en-US" altLang="en-US" b="1" dirty="0">
+              <a:solidFill>
+                <a:srgbClr val="FF0000"/>
+              </a:solidFill>
+              <a:latin typeface="-apple-system"/>
+            </a:endParaRPr>
+          </a:p>
+          <a:p>
+            <a:pPr marL="0" indent="0" eaLnBrk="0" fontAlgn="base" hangingPunct="0">
               <a:lnSpc>
                 <a:spcPct val="100000"/>
               </a:lnSpc>
@@ -4837,38 +5734,9 @@
               <a:spcAft>
                 <a:spcPct val="0"/>
               </a:spcAft>
-              <a:buClrTx/>
-              <a:buSzTx/>
               <a:buFontTx/>
               <a:buChar char="•"/>
-              <a:tabLst/>
             </a:pPr>
-            <a:r>
-              <a:rPr kumimoji="0" lang="en-US" altLang="en-US" sz="2800" b="1" i="0" u="none" strike="noStrike" cap="none" normalizeH="0" baseline="0" dirty="0">
-                <a:ln>
-                  <a:noFill/>
-                </a:ln>
-                <a:solidFill>
-                  <a:srgbClr val="FF0000"/>
-                </a:solidFill>
-                <a:effectLst/>
-                <a:latin typeface="-apple-system"/>
-              </a:rPr>
-              <a:t>DONE </a:t>
-            </a:r>
-            <a:r>
-              <a:rPr kumimoji="0" lang="en-US" altLang="en-US" sz="2800" b="1" i="0" u="none" strike="noStrike" cap="none" normalizeH="0" baseline="0" dirty="0">
-                <a:ln>
-                  <a:noFill/>
-                </a:ln>
-                <a:solidFill>
-                  <a:schemeClr val="tx1"/>
-                </a:solidFill>
-                <a:effectLst/>
-                <a:latin typeface="-apple-system"/>
-              </a:rPr>
-              <a:t>--</a:t>
-            </a:r>
             <a:r>
               <a:rPr kumimoji="0" lang="en-US" altLang="en-US" sz="2000" b="1" i="0" u="none" strike="noStrike" cap="none" normalizeH="0" baseline="0" dirty="0">
                 <a:ln>
@@ -4880,7 +5748,7 @@
                 <a:effectLst/>
                 <a:latin typeface="-apple-system"/>
               </a:rPr>
-              <a:t>Which animal is most </a:t>
+              <a:t> Which animal is most </a:t>
             </a:r>
             <a:r>
               <a:rPr lang="en-US" altLang="en-US" b="1" dirty="0">
@@ -4899,13 +5767,20 @@
                 <a:effectLst/>
                 <a:latin typeface="-apple-system"/>
               </a:rPr>
-              <a:t> and what is </a:t>
-            </a:r>
-            <a:r>
-              <a:rPr lang="en-US" altLang="en-US" b="1" dirty="0">
+              <a:t> </a:t>
+            </a:r>
+            <a:r>
+              <a:rPr kumimoji="0" lang="en-US" altLang="en-US" sz="2000" b="1" i="0" u="none" strike="noStrike" cap="none" normalizeH="0" baseline="0" dirty="0">
+                <a:ln>
+                  <a:noFill/>
+                </a:ln>
+                <a:solidFill>
+                  <a:schemeClr val="tx2"/>
+                </a:solidFill>
+                <a:effectLst/>
                 <a:latin typeface="-apple-system"/>
               </a:rPr>
-              <a:t>its</a:t>
+              <a:t>(scientific name/common name)</a:t>
             </a:r>
             <a:r>
               <a:rPr kumimoji="0" lang="en-US" altLang="en-US" sz="2000" b="1" i="0" u="none" strike="noStrike" cap="none" normalizeH="0" baseline="0" dirty="0">
@@ -4918,7 +5793,7 @@
                 <a:effectLst/>
                 <a:latin typeface="-apple-system"/>
               </a:rPr>
-              <a:t> distribution amongst parks ?(6)</a:t>
+              <a:t> ?</a:t>
             </a:r>
           </a:p>
           <a:p>
@@ -5001,7 +5876,7 @@
           </p:nvPr>
         </p:nvPicPr>
         <p:blipFill>
-          <a:blip r:embed="rId2">
+          <a:blip r:embed="rId3">
             <a:extLst>
               <a:ext uri="{28A0092B-C50C-407E-A947-70E740481C1C}">
                 <a14:useLocalDpi xmlns:a14="http://schemas.microsoft.com/office/drawing/2010/main" val="0"/>
@@ -5148,12 +6023,46 @@
           </a:p>
         </p:txBody>
       </p:sp>
+      <p:sp>
+        <p:nvSpPr>
+          <p:cNvPr id="4" name="Text Placeholder 3">
+            <a:extLst>
+              <a:ext uri="{FF2B5EF4-FFF2-40B4-BE49-F238E27FC236}">
+                <a16:creationId xmlns:a16="http://schemas.microsoft.com/office/drawing/2014/main" id="{898EF23D-07D5-4F06-9553-A0306CAF475A}"/>
+              </a:ext>
+            </a:extLst>
+          </p:cNvPr>
+          <p:cNvSpPr>
+            <a:spLocks noGrp="1"/>
+          </p:cNvSpPr>
+          <p:nvPr>
+            <p:ph type="body" sz="half" idx="2"/>
+          </p:nvPr>
+        </p:nvSpPr>
+        <p:spPr/>
+        <p:txBody>
+          <a:bodyPr>
+            <a:normAutofit/>
+          </a:bodyPr>
+          <a:lstStyle/>
+          <a:p>
+            <a:r>
+              <a:rPr lang="en-US" sz="1800" b="1" dirty="0"/>
+              <a:t>As you can see, Yellowstone National Park is where most of the observations were taken. Yosemite was second</a:t>
+            </a:r>
+            <a:r>
+              <a:rPr lang="en-US" sz="1800" dirty="0"/>
+              <a:t>. </a:t>
+            </a:r>
+          </a:p>
+        </p:txBody>
+      </p:sp>
       <p:pic>
         <p:nvPicPr>
-          <p:cNvPr id="6" name="Content Placeholder 5" descr="Chart, bar chart&#10;&#10;Description automatically generated">
-            <a:extLst>
-              <a:ext uri="{FF2B5EF4-FFF2-40B4-BE49-F238E27FC236}">
-                <a16:creationId xmlns:a16="http://schemas.microsoft.com/office/drawing/2014/main" id="{548A281F-D149-4225-B29A-E9B26A2C55FB}"/>
+          <p:cNvPr id="8" name="Content Placeholder 7" descr="Chart, bar chart&#10;&#10;Description automatically generated">
+            <a:extLst>
+              <a:ext uri="{FF2B5EF4-FFF2-40B4-BE49-F238E27FC236}">
+                <a16:creationId xmlns:a16="http://schemas.microsoft.com/office/drawing/2014/main" id="{7698E01C-AF7E-454D-9DE6-2567BF3B0AF7}"/>
               </a:ext>
             </a:extLst>
           </p:cNvPr>
@@ -5166,7 +6075,6 @@
         </p:nvPicPr>
         <p:blipFill>
           <a:blip r:embed="rId4">
-            <a:alphaModFix/>
             <a:extLst>
               <a:ext uri="{28A0092B-C50C-407E-A947-70E740481C1C}">
                 <a14:useLocalDpi xmlns:a14="http://schemas.microsoft.com/office/drawing/2010/main" val="0"/>
@@ -5179,45 +6087,11 @@
         </p:blipFill>
         <p:spPr>
           <a:xfrm>
-            <a:off x="5794881" y="987425"/>
-            <a:ext cx="4948813" cy="4873625"/>
+            <a:off x="5832475" y="987425"/>
+            <a:ext cx="4873625" cy="4873625"/>
           </a:xfrm>
         </p:spPr>
       </p:pic>
-      <p:sp>
-        <p:nvSpPr>
-          <p:cNvPr id="4" name="Text Placeholder 3">
-            <a:extLst>
-              <a:ext uri="{FF2B5EF4-FFF2-40B4-BE49-F238E27FC236}">
-                <a16:creationId xmlns:a16="http://schemas.microsoft.com/office/drawing/2014/main" id="{898EF23D-07D5-4F06-9553-A0306CAF475A}"/>
-              </a:ext>
-            </a:extLst>
-          </p:cNvPr>
-          <p:cNvSpPr>
-            <a:spLocks noGrp="1"/>
-          </p:cNvSpPr>
-          <p:nvPr>
-            <p:ph type="body" sz="half" idx="2"/>
-          </p:nvPr>
-        </p:nvSpPr>
-        <p:spPr/>
-        <p:txBody>
-          <a:bodyPr>
-            <a:normAutofit/>
-          </a:bodyPr>
-          <a:lstStyle/>
-          <a:p>
-            <a:r>
-              <a:rPr lang="en-US" sz="1800" b="1" dirty="0"/>
-              <a:t>As you can see, Yellowstone National Park is where most of the observations were taken. Yosemite was second</a:t>
-            </a:r>
-            <a:r>
-              <a:rPr lang="en-US" sz="1800" dirty="0"/>
-              <a:t>. </a:t>
-            </a:r>
-          </a:p>
-        </p:txBody>
-      </p:sp>
     </p:spTree>
     <p:extLst>
       <p:ext uri="{BB962C8B-B14F-4D97-AF65-F5344CB8AC3E}">
@@ -5236,21 +6110,9 @@
   <p:cSld>
     <p:bg>
       <p:bgPr>
-        <a:blipFill dpi="0" rotWithShape="1">
-          <a:blip r:embed="rId2">
-            <a:alphaModFix amt="29000"/>
-            <a:lum/>
-            <a:extLst>
-              <a:ext uri="{837473B0-CC2E-450A-ABE3-18F120FF3D39}">
-                <a1611:picAttrSrcUrl xmlns:a1611="http://schemas.microsoft.com/office/drawing/2016/11/main" r:id="rId3"/>
-              </a:ext>
-            </a:extLst>
-          </a:blip>
-          <a:srcRect/>
-          <a:stretch>
-            <a:fillRect t="-6000" b="-6000"/>
-          </a:stretch>
-        </a:blipFill>
+        <a:solidFill>
+          <a:schemeClr val="bg1"/>
+        </a:solidFill>
         <a:effectLst/>
       </p:bgPr>
     </p:bg>
@@ -5268,85 +6130,338 @@
           <a:chExt cx="0" cy="0"/>
         </a:xfrm>
       </p:grpSpPr>
-      <p:sp>
-        <p:nvSpPr>
-          <p:cNvPr id="2" name="Title 1">
-            <a:extLst>
-              <a:ext uri="{FF2B5EF4-FFF2-40B4-BE49-F238E27FC236}">
-                <a16:creationId xmlns:a16="http://schemas.microsoft.com/office/drawing/2014/main" id="{D55BB942-9478-4F05-978C-49044A225594}"/>
-              </a:ext>
-            </a:extLst>
-          </p:cNvPr>
-          <p:cNvSpPr>
-            <a:spLocks noGrp="1"/>
-          </p:cNvSpPr>
-          <p:nvPr>
-            <p:ph type="title"/>
-          </p:nvPr>
-        </p:nvSpPr>
+      <p:cxnSp>
+        <p:nvCxnSpPr>
+          <p:cNvPr id="11" name="Straight Connector 10">
+            <a:extLst>
+              <a:ext uri="{FF2B5EF4-FFF2-40B4-BE49-F238E27FC236}">
+                <a16:creationId xmlns:a16="http://schemas.microsoft.com/office/drawing/2014/main" id="{F64F9B95-9045-48D2-B9F3-2927E98F54AA}"/>
+              </a:ext>
+              <a:ext uri="{C183D7F6-B498-43B3-948B-1728B52AA6E4}">
+                <adec:decorative xmlns:adec="http://schemas.microsoft.com/office/drawing/2017/decorative" val="1"/>
+              </a:ext>
+            </a:extLst>
+          </p:cNvPr>
+          <p:cNvCxnSpPr>
+            <a:cxnSpLocks noGrp="1" noRot="1" noChangeAspect="1" noMove="1" noResize="1" noEditPoints="1" noAdjustHandles="1" noChangeArrowheads="1" noChangeShapeType="1"/>
+          </p:cNvCxnSpPr>
+          <p:nvPr>
+            <p:extLst>
+              <p:ext uri="{386F3935-93C4-4BCD-93E2-E3B085C9AB24}">
+                <p16:designElem xmlns:p16="http://schemas.microsoft.com/office/powerpoint/2015/main" val="1"/>
+              </p:ext>
+            </p:extLst>
+          </p:nvPr>
+        </p:nvCxnSpPr>
         <p:spPr>
           <a:xfrm>
-            <a:off x="683342" y="1066800"/>
-            <a:ext cx="4719082" cy="1317523"/>
+            <a:off x="800100" y="723900"/>
+            <a:ext cx="10591800" cy="0"/>
+          </a:xfrm>
+          <a:prstGeom prst="line">
+            <a:avLst/>
+          </a:prstGeom>
+          <a:ln w="44450">
+            <a:solidFill>
+              <a:schemeClr val="tx1"/>
+            </a:solidFill>
+          </a:ln>
+        </p:spPr>
+        <p:style>
+          <a:lnRef idx="1">
+            <a:schemeClr val="accent1"/>
+          </a:lnRef>
+          <a:fillRef idx="0">
+            <a:schemeClr val="accent1"/>
+          </a:fillRef>
+          <a:effectRef idx="0">
+            <a:schemeClr val="accent1"/>
+          </a:effectRef>
+          <a:fontRef idx="minor">
+            <a:schemeClr val="tx1"/>
+          </a:fontRef>
+        </p:style>
+      </p:cxnSp>
+      <p:cxnSp>
+        <p:nvCxnSpPr>
+          <p:cNvPr id="13" name="Straight Connector 12">
+            <a:extLst>
+              <a:ext uri="{FF2B5EF4-FFF2-40B4-BE49-F238E27FC236}">
+                <a16:creationId xmlns:a16="http://schemas.microsoft.com/office/drawing/2014/main" id="{085AA86F-6A4D-4BCB-A045-D992CDC2959B}"/>
+              </a:ext>
+              <a:ext uri="{C183D7F6-B498-43B3-948B-1728B52AA6E4}">
+                <adec:decorative xmlns:adec="http://schemas.microsoft.com/office/drawing/2017/decorative" val="1"/>
+              </a:ext>
+            </a:extLst>
+          </p:cNvPr>
+          <p:cNvCxnSpPr>
+            <a:cxnSpLocks noGrp="1" noRot="1" noChangeAspect="1" noMove="1" noResize="1" noEditPoints="1" noAdjustHandles="1" noChangeArrowheads="1" noChangeShapeType="1"/>
+          </p:cNvCxnSpPr>
+          <p:nvPr>
+            <p:extLst>
+              <p:ext uri="{386F3935-93C4-4BCD-93E2-E3B085C9AB24}">
+                <p16:designElem xmlns:p16="http://schemas.microsoft.com/office/powerpoint/2015/main" val="1"/>
+              </p:ext>
+            </p:extLst>
+          </p:nvPr>
+        </p:nvCxnSpPr>
+        <p:spPr>
+          <a:xfrm>
+            <a:off x="800100" y="6142781"/>
+            <a:ext cx="10591800" cy="0"/>
+          </a:xfrm>
+          <a:prstGeom prst="line">
+            <a:avLst/>
+          </a:prstGeom>
+          <a:ln w="12700">
+            <a:solidFill>
+              <a:schemeClr val="tx1"/>
+            </a:solidFill>
+          </a:ln>
+        </p:spPr>
+        <p:style>
+          <a:lnRef idx="1">
+            <a:schemeClr val="accent1"/>
+          </a:lnRef>
+          <a:fillRef idx="0">
+            <a:schemeClr val="accent1"/>
+          </a:fillRef>
+          <a:effectRef idx="0">
+            <a:schemeClr val="accent1"/>
+          </a:effectRef>
+          <a:fontRef idx="minor">
+            <a:schemeClr val="tx1"/>
+          </a:fontRef>
+        </p:style>
+      </p:cxnSp>
+      <p:sp useBgFill="1">
+        <p:nvSpPr>
+          <p:cNvPr id="15" name="Rectangle 14">
+            <a:extLst>
+              <a:ext uri="{FF2B5EF4-FFF2-40B4-BE49-F238E27FC236}">
+                <a16:creationId xmlns:a16="http://schemas.microsoft.com/office/drawing/2014/main" id="{E49D7415-2F11-44C2-B6AA-13A25B6814B9}"/>
+              </a:ext>
+              <a:ext uri="{C183D7F6-B498-43B3-948B-1728B52AA6E4}">
+                <adec:decorative xmlns:adec="http://schemas.microsoft.com/office/drawing/2017/decorative" val="1"/>
+              </a:ext>
+            </a:extLst>
+          </p:cNvPr>
+          <p:cNvSpPr>
+            <a:spLocks noGrp="1" noRot="1" noChangeAspect="1" noMove="1" noResize="1" noEditPoints="1" noAdjustHandles="1" noChangeArrowheads="1" noChangeShapeType="1" noTextEdit="1"/>
+          </p:cNvSpPr>
+          <p:nvPr>
+            <p:extLst>
+              <p:ext uri="{386F3935-93C4-4BCD-93E2-E3B085C9AB24}">
+                <p16:designElem xmlns:p16="http://schemas.microsoft.com/office/powerpoint/2015/main" val="1"/>
+              </p:ext>
+            </p:extLst>
+          </p:nvPr>
+        </p:nvSpPr>
+        <p:spPr>
+          <a:xfrm>
+            <a:off x="0" y="0"/>
+            <a:ext cx="12192000" cy="6858000"/>
+          </a:xfrm>
+          <a:prstGeom prst="rect">
+            <a:avLst/>
+          </a:prstGeom>
+          <a:ln w="12700" cap="flat" cmpd="sng" algn="ctr">
+            <a:noFill/>
+            <a:prstDash val="solid"/>
+            <a:miter lim="800000"/>
+          </a:ln>
+          <a:effectLst/>
+          <a:extLst>
+            <a:ext uri="{91240B29-F687-4F45-9708-019B960494DF}">
+              <a14:hiddenLine xmlns:a14="http://schemas.microsoft.com/office/drawing/2010/main" w="12700" cap="flat" cmpd="sng" algn="ctr">
+                <a:solidFill>
+                  <a:schemeClr val="accent1">
+                    <a:shade val="50000"/>
+                  </a:schemeClr>
+                </a:solidFill>
+                <a:prstDash val="solid"/>
+                <a:miter lim="800000"/>
+              </a14:hiddenLine>
+            </a:ext>
+          </a:extLst>
+        </p:spPr>
+        <p:style>
+          <a:lnRef idx="2">
+            <a:schemeClr val="accent1">
+              <a:shade val="50000"/>
+            </a:schemeClr>
+          </a:lnRef>
+          <a:fillRef idx="1">
+            <a:schemeClr val="accent1"/>
+          </a:fillRef>
+          <a:effectRef idx="0">
+            <a:schemeClr val="accent1"/>
+          </a:effectRef>
+          <a:fontRef idx="minor">
+            <a:schemeClr val="lt1"/>
+          </a:fontRef>
+        </p:style>
+        <p:txBody>
+          <a:bodyPr rtlCol="0" anchor="ctr"/>
+          <a:lstStyle/>
+          <a:p>
+            <a:pPr algn="ctr"/>
+            <a:endParaRPr lang="en-US"/>
+          </a:p>
+        </p:txBody>
+      </p:sp>
+      <p:sp>
+        <p:nvSpPr>
+          <p:cNvPr id="2" name="Title 1">
+            <a:extLst>
+              <a:ext uri="{FF2B5EF4-FFF2-40B4-BE49-F238E27FC236}">
+                <a16:creationId xmlns:a16="http://schemas.microsoft.com/office/drawing/2014/main" id="{D5D5C737-429F-4CCD-A9B5-81E12BF8738C}"/>
+              </a:ext>
+            </a:extLst>
+          </p:cNvPr>
+          <p:cNvSpPr>
+            <a:spLocks noGrp="1"/>
+          </p:cNvSpPr>
+          <p:nvPr>
+            <p:ph type="title"/>
+          </p:nvPr>
+        </p:nvSpPr>
+        <p:spPr>
+          <a:xfrm>
+            <a:off x="695325" y="897753"/>
+            <a:ext cx="3635046" cy="1575391"/>
           </a:xfrm>
         </p:spPr>
         <p:txBody>
-          <a:bodyPr>
+          <a:bodyPr vert="horz" lIns="91440" tIns="45720" rIns="91440" bIns="45720" rtlCol="0" anchor="t">
             <a:normAutofit/>
           </a:bodyPr>
           <a:lstStyle/>
           <a:p>
-            <a:pPr algn="ctr"/>
-            <a:r>
-              <a:rPr lang="en-US" sz="2000" dirty="0"/>
-              <a:t>conservation status</a:t>
-            </a:r>
-            <a:r>
-              <a:rPr lang="en-US" dirty="0"/>
-              <a:t> </a:t>
-            </a:r>
-          </a:p>
-        </p:txBody>
-      </p:sp>
-      <p:sp>
-        <p:nvSpPr>
-          <p:cNvPr id="4" name="Text Placeholder 3">
-            <a:extLst>
-              <a:ext uri="{FF2B5EF4-FFF2-40B4-BE49-F238E27FC236}">
-                <a16:creationId xmlns:a16="http://schemas.microsoft.com/office/drawing/2014/main" id="{3D841A96-29A8-4181-B8A6-8CED07E615CB}"/>
-              </a:ext>
-            </a:extLst>
-          </p:cNvPr>
-          <p:cNvSpPr>
-            <a:spLocks noGrp="1"/>
-          </p:cNvSpPr>
-          <p:nvPr>
-            <p:ph type="body" sz="half" idx="2"/>
-          </p:nvPr>
-        </p:nvSpPr>
+            <a:pPr>
+              <a:lnSpc>
+                <a:spcPct val="90000"/>
+              </a:lnSpc>
+            </a:pPr>
+            <a:r>
+              <a:rPr lang="en-US" sz="3100" kern="1200" cap="all" spc="30" baseline="0" dirty="0">
+                <a:solidFill>
+                  <a:schemeClr val="tx1"/>
+                </a:solidFill>
+                <a:latin typeface="+mj-lt"/>
+                <a:ea typeface="+mj-ea"/>
+                <a:cs typeface="+mj-cs"/>
+              </a:rPr>
+              <a:t>What’s the Most Observed Animal Category ?</a:t>
+            </a:r>
+          </a:p>
+        </p:txBody>
+      </p:sp>
+      <p:cxnSp>
+        <p:nvCxnSpPr>
+          <p:cNvPr id="17" name="Straight Connector 16">
+            <a:extLst>
+              <a:ext uri="{FF2B5EF4-FFF2-40B4-BE49-F238E27FC236}">
+                <a16:creationId xmlns:a16="http://schemas.microsoft.com/office/drawing/2014/main" id="{D2E57F3D-33BE-4306-87E6-245763719516}"/>
+              </a:ext>
+              <a:ext uri="{C183D7F6-B498-43B3-948B-1728B52AA6E4}">
+                <adec:decorative xmlns:adec="http://schemas.microsoft.com/office/drawing/2017/decorative" val="1"/>
+              </a:ext>
+            </a:extLst>
+          </p:cNvPr>
+          <p:cNvCxnSpPr>
+            <a:cxnSpLocks noGrp="1" noRot="1" noChangeAspect="1" noMove="1" noResize="1" noEditPoints="1" noAdjustHandles="1" noChangeArrowheads="1" noChangeShapeType="1"/>
+          </p:cNvCxnSpPr>
+          <p:nvPr>
+            <p:extLst>
+              <p:ext uri="{386F3935-93C4-4BCD-93E2-E3B085C9AB24}">
+                <p16:designElem xmlns:p16="http://schemas.microsoft.com/office/powerpoint/2015/main" val="1"/>
+              </p:ext>
+            </p:extLst>
+          </p:nvPr>
+        </p:nvCxnSpPr>
         <p:spPr>
           <a:xfrm>
-            <a:off x="683342" y="2552700"/>
-            <a:ext cx="4719081" cy="3316288"/>
+            <a:off x="800100" y="723900"/>
+            <a:ext cx="1638300" cy="0"/>
+          </a:xfrm>
+          <a:prstGeom prst="line">
+            <a:avLst/>
+          </a:prstGeom>
+          <a:ln w="44450">
+            <a:solidFill>
+              <a:schemeClr val="tx1"/>
+            </a:solidFill>
+          </a:ln>
+        </p:spPr>
+        <p:style>
+          <a:lnRef idx="1">
+            <a:schemeClr val="accent1"/>
+          </a:lnRef>
+          <a:fillRef idx="0">
+            <a:schemeClr val="accent1"/>
+          </a:fillRef>
+          <a:effectRef idx="0">
+            <a:schemeClr val="accent1"/>
+          </a:effectRef>
+          <a:fontRef idx="minor">
+            <a:schemeClr val="tx1"/>
+          </a:fontRef>
+        </p:style>
+      </p:cxnSp>
+      <p:sp>
+        <p:nvSpPr>
+          <p:cNvPr id="4" name="Text Placeholder 3">
+            <a:extLst>
+              <a:ext uri="{FF2B5EF4-FFF2-40B4-BE49-F238E27FC236}">
+                <a16:creationId xmlns:a16="http://schemas.microsoft.com/office/drawing/2014/main" id="{2E2741D6-C516-47F6-8558-0E0ACA5B3379}"/>
+              </a:ext>
+            </a:extLst>
+          </p:cNvPr>
+          <p:cNvSpPr>
+            <a:spLocks noGrp="1"/>
+          </p:cNvSpPr>
+          <p:nvPr>
+            <p:ph type="body" sz="half" idx="2"/>
+          </p:nvPr>
+        </p:nvSpPr>
+        <p:spPr>
+          <a:xfrm>
+            <a:off x="695325" y="2710035"/>
+            <a:ext cx="3587668" cy="3500265"/>
           </a:xfrm>
         </p:spPr>
         <p:txBody>
-          <a:bodyPr/>
-          <a:lstStyle/>
-          <a:p>
+          <a:bodyPr vert="horz" lIns="91440" tIns="45720" rIns="91440" bIns="45720" rtlCol="0">
+            <a:normAutofit/>
+          </a:bodyPr>
+          <a:lstStyle/>
+          <a:p>
+            <a:pPr indent="-228600">
+              <a:buFont typeface="Arial" panose="020B0604020202020204" pitchFamily="34" charset="0"/>
+              <a:buChar char="•"/>
+            </a:pPr>
             <a:r>
               <a:rPr lang="en-US" dirty="0"/>
-              <a:t>A you can see there isn’t a category observed that doesn’t have a species of concern in it. Only two are in recovery and 5 of 7 have endangered species in the category. </a:t>
+              <a:t>As you can see by the graph, the most observed animal category is Birds. Yellowstone has the highest number of </a:t>
+            </a:r>
+            <a:r>
+              <a:rPr lang="en-US" u="sng" dirty="0"/>
+              <a:t>observations</a:t>
+            </a:r>
+            <a:r>
+              <a:rPr lang="en-US" dirty="0"/>
+              <a:t> and Yosemite is second. The next most observed category is mammals, again with Yellowstone having the highest number of observations.  </a:t>
             </a:r>
           </a:p>
         </p:txBody>
       </p:sp>
       <p:pic>
         <p:nvPicPr>
-          <p:cNvPr id="7" name="Picture Placeholder 6" descr="Chart, bar chart&#10;&#10;Description automatically generated">
-            <a:extLst>
-              <a:ext uri="{FF2B5EF4-FFF2-40B4-BE49-F238E27FC236}">
-                <a16:creationId xmlns:a16="http://schemas.microsoft.com/office/drawing/2014/main" id="{33C8FBC9-D86E-4A7E-A3E9-F3FE5D8EFE72}"/>
+          <p:cNvPr id="6" name="Content Placeholder 5">
+            <a:extLst>
+              <a:ext uri="{FF2B5EF4-FFF2-40B4-BE49-F238E27FC236}">
+                <a16:creationId xmlns:a16="http://schemas.microsoft.com/office/drawing/2014/main" id="{9A5FB3C2-83CE-49D1-9C46-868BF381B75E}"/>
               </a:ext>
             </a:extLst>
           </p:cNvPr>
@@ -5354,26 +6469,817 @@
             <a:picLocks noGrp="1" noChangeAspect="1"/>
           </p:cNvPicPr>
           <p:nvPr>
-            <p:ph type="pic" idx="1"/>
+            <p:ph idx="1"/>
           </p:nvPr>
         </p:nvPicPr>
         <p:blipFill>
-          <a:blip r:embed="rId4">
+          <a:blip r:embed="rId3">
             <a:extLst>
               <a:ext uri="{28A0092B-C50C-407E-A947-70E740481C1C}">
                 <a14:useLocalDpi xmlns:a14="http://schemas.microsoft.com/office/drawing/2010/main" val="0"/>
               </a:ext>
             </a:extLst>
           </a:blip>
-          <a:stretch>
-            <a:fillRect/>
-          </a:stretch>
+          <a:srcRect/>
+          <a:stretch/>
         </p:blipFill>
         <p:spPr>
           <a:xfrm>
-            <a:off x="6096000" y="435204"/>
-            <a:ext cx="6096000" cy="5657685"/>
+            <a:off x="5345587" y="759566"/>
+            <a:ext cx="5577526" cy="5338868"/>
           </a:xfrm>
+          <a:prstGeom prst="rect">
+            <a:avLst/>
+          </a:prstGeom>
+        </p:spPr>
+      </p:pic>
+    </p:spTree>
+    <p:extLst>
+      <p:ext uri="{BB962C8B-B14F-4D97-AF65-F5344CB8AC3E}">
+        <p14:creationId xmlns:p14="http://schemas.microsoft.com/office/powerpoint/2010/main" val="2908618018"/>
+      </p:ext>
+    </p:extLst>
+  </p:cSld>
+  <p:clrMapOvr>
+    <a:masterClrMapping/>
+  </p:clrMapOvr>
+</p:sld>
+</file>
+
+<file path=ppt/slides/slide6.xml><?xml version="1.0" encoding="utf-8"?>
+<p:sld xmlns:a="http://schemas.openxmlformats.org/drawingml/2006/main" xmlns:r="http://schemas.openxmlformats.org/officeDocument/2006/relationships" xmlns:p="http://schemas.openxmlformats.org/presentationml/2006/main">
+  <p:cSld>
+    <p:bg>
+      <p:bgPr>
+        <a:solidFill>
+          <a:schemeClr val="bg1"/>
+        </a:solidFill>
+        <a:effectLst/>
+      </p:bgPr>
+    </p:bg>
+    <p:spTree>
+      <p:nvGrpSpPr>
+        <p:cNvPr id="1" name=""/>
+        <p:cNvGrpSpPr/>
+        <p:nvPr/>
+      </p:nvGrpSpPr>
+      <p:grpSpPr>
+        <a:xfrm>
+          <a:off x="0" y="0"/>
+          <a:ext cx="0" cy="0"/>
+          <a:chOff x="0" y="0"/>
+          <a:chExt cx="0" cy="0"/>
+        </a:xfrm>
+      </p:grpSpPr>
+      <p:cxnSp>
+        <p:nvCxnSpPr>
+          <p:cNvPr id="19" name="Straight Connector 10">
+            <a:extLst>
+              <a:ext uri="{FF2B5EF4-FFF2-40B4-BE49-F238E27FC236}">
+                <a16:creationId xmlns:a16="http://schemas.microsoft.com/office/drawing/2014/main" id="{F64F9B95-9045-48D2-B9F3-2927E98F54AA}"/>
+              </a:ext>
+              <a:ext uri="{C183D7F6-B498-43B3-948B-1728B52AA6E4}">
+                <adec:decorative xmlns:adec="http://schemas.microsoft.com/office/drawing/2017/decorative" val="1"/>
+              </a:ext>
+            </a:extLst>
+          </p:cNvPr>
+          <p:cNvCxnSpPr>
+            <a:cxnSpLocks noGrp="1" noRot="1" noChangeAspect="1" noMove="1" noResize="1" noEditPoints="1" noAdjustHandles="1" noChangeArrowheads="1" noChangeShapeType="1"/>
+          </p:cNvCxnSpPr>
+          <p:nvPr>
+            <p:extLst>
+              <p:ext uri="{386F3935-93C4-4BCD-93E2-E3B085C9AB24}">
+                <p16:designElem xmlns:p16="http://schemas.microsoft.com/office/powerpoint/2015/main" val="1"/>
+              </p:ext>
+            </p:extLst>
+          </p:nvPr>
+        </p:nvCxnSpPr>
+        <p:spPr>
+          <a:xfrm>
+            <a:off x="800100" y="723900"/>
+            <a:ext cx="10591800" cy="0"/>
+          </a:xfrm>
+          <a:prstGeom prst="line">
+            <a:avLst/>
+          </a:prstGeom>
+          <a:ln w="44450">
+            <a:solidFill>
+              <a:schemeClr val="tx1"/>
+            </a:solidFill>
+          </a:ln>
+        </p:spPr>
+        <p:style>
+          <a:lnRef idx="1">
+            <a:schemeClr val="accent1"/>
+          </a:lnRef>
+          <a:fillRef idx="0">
+            <a:schemeClr val="accent1"/>
+          </a:fillRef>
+          <a:effectRef idx="0">
+            <a:schemeClr val="accent1"/>
+          </a:effectRef>
+          <a:fontRef idx="minor">
+            <a:schemeClr val="tx1"/>
+          </a:fontRef>
+        </p:style>
+      </p:cxnSp>
+      <p:cxnSp>
+        <p:nvCxnSpPr>
+          <p:cNvPr id="20" name="Straight Connector 12">
+            <a:extLst>
+              <a:ext uri="{FF2B5EF4-FFF2-40B4-BE49-F238E27FC236}">
+                <a16:creationId xmlns:a16="http://schemas.microsoft.com/office/drawing/2014/main" id="{085AA86F-6A4D-4BCB-A045-D992CDC2959B}"/>
+              </a:ext>
+              <a:ext uri="{C183D7F6-B498-43B3-948B-1728B52AA6E4}">
+                <adec:decorative xmlns:adec="http://schemas.microsoft.com/office/drawing/2017/decorative" val="1"/>
+              </a:ext>
+            </a:extLst>
+          </p:cNvPr>
+          <p:cNvCxnSpPr>
+            <a:cxnSpLocks noGrp="1" noRot="1" noChangeAspect="1" noMove="1" noResize="1" noEditPoints="1" noAdjustHandles="1" noChangeArrowheads="1" noChangeShapeType="1"/>
+          </p:cNvCxnSpPr>
+          <p:nvPr>
+            <p:extLst>
+              <p:ext uri="{386F3935-93C4-4BCD-93E2-E3B085C9AB24}">
+                <p16:designElem xmlns:p16="http://schemas.microsoft.com/office/powerpoint/2015/main" val="1"/>
+              </p:ext>
+            </p:extLst>
+          </p:nvPr>
+        </p:nvCxnSpPr>
+        <p:spPr>
+          <a:xfrm>
+            <a:off x="800100" y="6142781"/>
+            <a:ext cx="10591800" cy="0"/>
+          </a:xfrm>
+          <a:prstGeom prst="line">
+            <a:avLst/>
+          </a:prstGeom>
+          <a:ln w="12700">
+            <a:solidFill>
+              <a:schemeClr val="tx1"/>
+            </a:solidFill>
+          </a:ln>
+        </p:spPr>
+        <p:style>
+          <a:lnRef idx="1">
+            <a:schemeClr val="accent1"/>
+          </a:lnRef>
+          <a:fillRef idx="0">
+            <a:schemeClr val="accent1"/>
+          </a:fillRef>
+          <a:effectRef idx="0">
+            <a:schemeClr val="accent1"/>
+          </a:effectRef>
+          <a:fontRef idx="minor">
+            <a:schemeClr val="tx1"/>
+          </a:fontRef>
+        </p:style>
+      </p:cxnSp>
+      <p:sp useBgFill="1">
+        <p:nvSpPr>
+          <p:cNvPr id="21" name="Rectangle 14">
+            <a:extLst>
+              <a:ext uri="{FF2B5EF4-FFF2-40B4-BE49-F238E27FC236}">
+                <a16:creationId xmlns:a16="http://schemas.microsoft.com/office/drawing/2014/main" id="{E49D7415-2F11-44C2-B6AA-13A25B6814B9}"/>
+              </a:ext>
+              <a:ext uri="{C183D7F6-B498-43B3-948B-1728B52AA6E4}">
+                <adec:decorative xmlns:adec="http://schemas.microsoft.com/office/drawing/2017/decorative" val="1"/>
+              </a:ext>
+            </a:extLst>
+          </p:cNvPr>
+          <p:cNvSpPr>
+            <a:spLocks noGrp="1" noRot="1" noChangeAspect="1" noMove="1" noResize="1" noEditPoints="1" noAdjustHandles="1" noChangeArrowheads="1" noChangeShapeType="1" noTextEdit="1"/>
+          </p:cNvSpPr>
+          <p:nvPr>
+            <p:extLst>
+              <p:ext uri="{386F3935-93C4-4BCD-93E2-E3B085C9AB24}">
+                <p16:designElem xmlns:p16="http://schemas.microsoft.com/office/powerpoint/2015/main" val="1"/>
+              </p:ext>
+            </p:extLst>
+          </p:nvPr>
+        </p:nvSpPr>
+        <p:spPr>
+          <a:xfrm>
+            <a:off x="0" y="0"/>
+            <a:ext cx="12192000" cy="6858000"/>
+          </a:xfrm>
+          <a:prstGeom prst="rect">
+            <a:avLst/>
+          </a:prstGeom>
+          <a:ln w="12700" cap="flat" cmpd="sng" algn="ctr">
+            <a:noFill/>
+            <a:prstDash val="solid"/>
+            <a:miter lim="800000"/>
+          </a:ln>
+          <a:effectLst/>
+          <a:extLst>
+            <a:ext uri="{91240B29-F687-4F45-9708-019B960494DF}">
+              <a14:hiddenLine xmlns:a14="http://schemas.microsoft.com/office/drawing/2010/main" w="12700" cap="flat" cmpd="sng" algn="ctr">
+                <a:solidFill>
+                  <a:schemeClr val="accent1">
+                    <a:shade val="50000"/>
+                  </a:schemeClr>
+                </a:solidFill>
+                <a:prstDash val="solid"/>
+                <a:miter lim="800000"/>
+              </a14:hiddenLine>
+            </a:ext>
+          </a:extLst>
+        </p:spPr>
+        <p:style>
+          <a:lnRef idx="2">
+            <a:schemeClr val="accent1">
+              <a:shade val="50000"/>
+            </a:schemeClr>
+          </a:lnRef>
+          <a:fillRef idx="1">
+            <a:schemeClr val="accent1"/>
+          </a:fillRef>
+          <a:effectRef idx="0">
+            <a:schemeClr val="accent1"/>
+          </a:effectRef>
+          <a:fontRef idx="minor">
+            <a:schemeClr val="lt1"/>
+          </a:fontRef>
+        </p:style>
+        <p:txBody>
+          <a:bodyPr rtlCol="0" anchor="ctr"/>
+          <a:lstStyle/>
+          <a:p>
+            <a:pPr algn="ctr"/>
+            <a:endParaRPr lang="en-US"/>
+          </a:p>
+        </p:txBody>
+      </p:sp>
+      <p:sp>
+        <p:nvSpPr>
+          <p:cNvPr id="2" name="Title 1">
+            <a:extLst>
+              <a:ext uri="{FF2B5EF4-FFF2-40B4-BE49-F238E27FC236}">
+                <a16:creationId xmlns:a16="http://schemas.microsoft.com/office/drawing/2014/main" id="{7919590B-DE5E-413D-9512-70A99C73CE2D}"/>
+              </a:ext>
+            </a:extLst>
+          </p:cNvPr>
+          <p:cNvSpPr>
+            <a:spLocks noGrp="1"/>
+          </p:cNvSpPr>
+          <p:nvPr>
+            <p:ph type="title"/>
+          </p:nvPr>
+        </p:nvSpPr>
+        <p:spPr>
+          <a:xfrm>
+            <a:off x="695325" y="897753"/>
+            <a:ext cx="3635046" cy="1575391"/>
+          </a:xfrm>
+        </p:spPr>
+        <p:txBody>
+          <a:bodyPr vert="horz" lIns="91440" tIns="45720" rIns="91440" bIns="45720" rtlCol="0" anchor="t">
+            <a:normAutofit/>
+          </a:bodyPr>
+          <a:lstStyle/>
+          <a:p>
+            <a:pPr>
+              <a:lnSpc>
+                <a:spcPct val="90000"/>
+              </a:lnSpc>
+            </a:pPr>
+            <a:r>
+              <a:rPr lang="en-US" sz="3400" kern="1200" cap="all" spc="30" baseline="0">
+                <a:solidFill>
+                  <a:schemeClr val="tx1"/>
+                </a:solidFill>
+                <a:latin typeface="+mj-lt"/>
+                <a:ea typeface="+mj-ea"/>
+                <a:cs typeface="+mj-cs"/>
+              </a:rPr>
+              <a:t>The Number of Species by Category</a:t>
+            </a:r>
+          </a:p>
+        </p:txBody>
+      </p:sp>
+      <p:cxnSp>
+        <p:nvCxnSpPr>
+          <p:cNvPr id="22" name="Straight Connector 16">
+            <a:extLst>
+              <a:ext uri="{FF2B5EF4-FFF2-40B4-BE49-F238E27FC236}">
+                <a16:creationId xmlns:a16="http://schemas.microsoft.com/office/drawing/2014/main" id="{D2E57F3D-33BE-4306-87E6-245763719516}"/>
+              </a:ext>
+              <a:ext uri="{C183D7F6-B498-43B3-948B-1728B52AA6E4}">
+                <adec:decorative xmlns:adec="http://schemas.microsoft.com/office/drawing/2017/decorative" val="1"/>
+              </a:ext>
+            </a:extLst>
+          </p:cNvPr>
+          <p:cNvCxnSpPr>
+            <a:cxnSpLocks noGrp="1" noRot="1" noChangeAspect="1" noMove="1" noResize="1" noEditPoints="1" noAdjustHandles="1" noChangeArrowheads="1" noChangeShapeType="1"/>
+          </p:cNvCxnSpPr>
+          <p:nvPr>
+            <p:extLst>
+              <p:ext uri="{386F3935-93C4-4BCD-93E2-E3B085C9AB24}">
+                <p16:designElem xmlns:p16="http://schemas.microsoft.com/office/powerpoint/2015/main" val="1"/>
+              </p:ext>
+            </p:extLst>
+          </p:nvPr>
+        </p:nvCxnSpPr>
+        <p:spPr>
+          <a:xfrm>
+            <a:off x="800100" y="723900"/>
+            <a:ext cx="1638300" cy="0"/>
+          </a:xfrm>
+          <a:prstGeom prst="line">
+            <a:avLst/>
+          </a:prstGeom>
+          <a:ln w="44450">
+            <a:solidFill>
+              <a:schemeClr val="tx1"/>
+            </a:solidFill>
+          </a:ln>
+        </p:spPr>
+        <p:style>
+          <a:lnRef idx="1">
+            <a:schemeClr val="accent1"/>
+          </a:lnRef>
+          <a:fillRef idx="0">
+            <a:schemeClr val="accent1"/>
+          </a:fillRef>
+          <a:effectRef idx="0">
+            <a:schemeClr val="accent1"/>
+          </a:effectRef>
+          <a:fontRef idx="minor">
+            <a:schemeClr val="tx1"/>
+          </a:fontRef>
+        </p:style>
+      </p:cxnSp>
+      <p:sp>
+        <p:nvSpPr>
+          <p:cNvPr id="4" name="Text Placeholder 3">
+            <a:extLst>
+              <a:ext uri="{FF2B5EF4-FFF2-40B4-BE49-F238E27FC236}">
+                <a16:creationId xmlns:a16="http://schemas.microsoft.com/office/drawing/2014/main" id="{D92E44A7-B932-49E1-B8F5-38A0A07CEA98}"/>
+              </a:ext>
+            </a:extLst>
+          </p:cNvPr>
+          <p:cNvSpPr>
+            <a:spLocks noGrp="1"/>
+          </p:cNvSpPr>
+          <p:nvPr>
+            <p:ph type="body" sz="half" idx="2"/>
+          </p:nvPr>
+        </p:nvSpPr>
+        <p:spPr>
+          <a:xfrm>
+            <a:off x="695325" y="2710035"/>
+            <a:ext cx="3587668" cy="3500265"/>
+          </a:xfrm>
+        </p:spPr>
+        <p:txBody>
+          <a:bodyPr vert="horz" lIns="91440" tIns="45720" rIns="91440" bIns="45720" rtlCol="0">
+            <a:normAutofit/>
+          </a:bodyPr>
+          <a:lstStyle/>
+          <a:p>
+            <a:pPr indent="-228600">
+              <a:buFont typeface="Arial" panose="020B0604020202020204" pitchFamily="34" charset="0"/>
+              <a:buChar char="•"/>
+            </a:pPr>
+            <a:r>
+              <a:rPr lang="en-US"/>
+              <a:t>As you can see the Vascular Plants make up the highest number of species in one category. Reptiles have the lowest number of species. </a:t>
+            </a:r>
+          </a:p>
+        </p:txBody>
+      </p:sp>
+      <p:pic>
+        <p:nvPicPr>
+          <p:cNvPr id="6" name="Content Placeholder 5">
+            <a:extLst>
+              <a:ext uri="{FF2B5EF4-FFF2-40B4-BE49-F238E27FC236}">
+                <a16:creationId xmlns:a16="http://schemas.microsoft.com/office/drawing/2014/main" id="{3BD88E51-08AC-426F-A96D-092C8540B26D}"/>
+              </a:ext>
+            </a:extLst>
+          </p:cNvPr>
+          <p:cNvPicPr>
+            <a:picLocks noGrp="1" noChangeAspect="1"/>
+          </p:cNvPicPr>
+          <p:nvPr>
+            <p:ph idx="1"/>
+          </p:nvPr>
+        </p:nvPicPr>
+        <p:blipFill>
+          <a:blip r:embed="rId3">
+            <a:extLst>
+              <a:ext uri="{28A0092B-C50C-407E-A947-70E740481C1C}">
+                <a14:useLocalDpi xmlns:a14="http://schemas.microsoft.com/office/drawing/2010/main" val="0"/>
+              </a:ext>
+            </a:extLst>
+          </a:blip>
+          <a:stretch/>
+        </p:blipFill>
+        <p:spPr>
+          <a:xfrm>
+            <a:off x="5366984" y="723900"/>
+            <a:ext cx="5534731" cy="5410200"/>
+          </a:xfrm>
+          <a:prstGeom prst="rect">
+            <a:avLst/>
+          </a:prstGeom>
+        </p:spPr>
+      </p:pic>
+    </p:spTree>
+    <p:extLst>
+      <p:ext uri="{BB962C8B-B14F-4D97-AF65-F5344CB8AC3E}">
+        <p14:creationId xmlns:p14="http://schemas.microsoft.com/office/powerpoint/2010/main" val="3870208040"/>
+      </p:ext>
+    </p:extLst>
+  </p:cSld>
+  <p:clrMapOvr>
+    <a:masterClrMapping/>
+  </p:clrMapOvr>
+</p:sld>
+</file>
+
+<file path=ppt/slides/slide7.xml><?xml version="1.0" encoding="utf-8"?>
+<p:sld xmlns:a="http://schemas.openxmlformats.org/drawingml/2006/main" xmlns:r="http://schemas.openxmlformats.org/officeDocument/2006/relationships" xmlns:p="http://schemas.openxmlformats.org/presentationml/2006/main">
+  <p:cSld>
+    <p:bg>
+      <p:bgPr>
+        <a:solidFill>
+          <a:schemeClr val="bg1"/>
+        </a:solidFill>
+        <a:effectLst/>
+      </p:bgPr>
+    </p:bg>
+    <p:spTree>
+      <p:nvGrpSpPr>
+        <p:cNvPr id="1" name=""/>
+        <p:cNvGrpSpPr/>
+        <p:nvPr/>
+      </p:nvGrpSpPr>
+      <p:grpSpPr>
+        <a:xfrm>
+          <a:off x="0" y="0"/>
+          <a:ext cx="0" cy="0"/>
+          <a:chOff x="0" y="0"/>
+          <a:chExt cx="0" cy="0"/>
+        </a:xfrm>
+      </p:grpSpPr>
+      <p:cxnSp>
+        <p:nvCxnSpPr>
+          <p:cNvPr id="198" name="Straight Connector 184">
+            <a:extLst>
+              <a:ext uri="{FF2B5EF4-FFF2-40B4-BE49-F238E27FC236}">
+                <a16:creationId xmlns:a16="http://schemas.microsoft.com/office/drawing/2014/main" id="{F64F9B95-9045-48D2-B9F3-2927E98F54AA}"/>
+              </a:ext>
+              <a:ext uri="{C183D7F6-B498-43B3-948B-1728B52AA6E4}">
+                <adec:decorative xmlns:adec="http://schemas.microsoft.com/office/drawing/2017/decorative" val="1"/>
+              </a:ext>
+            </a:extLst>
+          </p:cNvPr>
+          <p:cNvCxnSpPr>
+            <a:cxnSpLocks noGrp="1" noRot="1" noChangeAspect="1" noMove="1" noResize="1" noEditPoints="1" noAdjustHandles="1" noChangeArrowheads="1" noChangeShapeType="1"/>
+          </p:cNvCxnSpPr>
+          <p:nvPr>
+            <p:extLst>
+              <p:ext uri="{386F3935-93C4-4BCD-93E2-E3B085C9AB24}">
+                <p16:designElem xmlns:p16="http://schemas.microsoft.com/office/powerpoint/2015/main" val="1"/>
+              </p:ext>
+            </p:extLst>
+          </p:nvPr>
+        </p:nvCxnSpPr>
+        <p:spPr>
+          <a:xfrm>
+            <a:off x="800100" y="723900"/>
+            <a:ext cx="10591800" cy="0"/>
+          </a:xfrm>
+          <a:prstGeom prst="line">
+            <a:avLst/>
+          </a:prstGeom>
+          <a:ln w="44450">
+            <a:solidFill>
+              <a:schemeClr val="tx1"/>
+            </a:solidFill>
+          </a:ln>
+        </p:spPr>
+        <p:style>
+          <a:lnRef idx="1">
+            <a:schemeClr val="accent1"/>
+          </a:lnRef>
+          <a:fillRef idx="0">
+            <a:schemeClr val="accent1"/>
+          </a:fillRef>
+          <a:effectRef idx="0">
+            <a:schemeClr val="accent1"/>
+          </a:effectRef>
+          <a:fontRef idx="minor">
+            <a:schemeClr val="tx1"/>
+          </a:fontRef>
+        </p:style>
+      </p:cxnSp>
+      <p:cxnSp>
+        <p:nvCxnSpPr>
+          <p:cNvPr id="199" name="Straight Connector 186">
+            <a:extLst>
+              <a:ext uri="{FF2B5EF4-FFF2-40B4-BE49-F238E27FC236}">
+                <a16:creationId xmlns:a16="http://schemas.microsoft.com/office/drawing/2014/main" id="{085AA86F-6A4D-4BCB-A045-D992CDC2959B}"/>
+              </a:ext>
+              <a:ext uri="{C183D7F6-B498-43B3-948B-1728B52AA6E4}">
+                <adec:decorative xmlns:adec="http://schemas.microsoft.com/office/drawing/2017/decorative" val="1"/>
+              </a:ext>
+            </a:extLst>
+          </p:cNvPr>
+          <p:cNvCxnSpPr>
+            <a:cxnSpLocks noGrp="1" noRot="1" noChangeAspect="1" noMove="1" noResize="1" noEditPoints="1" noAdjustHandles="1" noChangeArrowheads="1" noChangeShapeType="1"/>
+          </p:cNvCxnSpPr>
+          <p:nvPr>
+            <p:extLst>
+              <p:ext uri="{386F3935-93C4-4BCD-93E2-E3B085C9AB24}">
+                <p16:designElem xmlns:p16="http://schemas.microsoft.com/office/powerpoint/2015/main" val="1"/>
+              </p:ext>
+            </p:extLst>
+          </p:nvPr>
+        </p:nvCxnSpPr>
+        <p:spPr>
+          <a:xfrm>
+            <a:off x="800100" y="6142781"/>
+            <a:ext cx="10591800" cy="0"/>
+          </a:xfrm>
+          <a:prstGeom prst="line">
+            <a:avLst/>
+          </a:prstGeom>
+          <a:ln w="12700">
+            <a:solidFill>
+              <a:schemeClr val="tx1"/>
+            </a:solidFill>
+          </a:ln>
+        </p:spPr>
+        <p:style>
+          <a:lnRef idx="1">
+            <a:schemeClr val="accent1"/>
+          </a:lnRef>
+          <a:fillRef idx="0">
+            <a:schemeClr val="accent1"/>
+          </a:fillRef>
+          <a:effectRef idx="0">
+            <a:schemeClr val="accent1"/>
+          </a:effectRef>
+          <a:fontRef idx="minor">
+            <a:schemeClr val="tx1"/>
+          </a:fontRef>
+        </p:style>
+      </p:cxnSp>
+      <p:sp useBgFill="1">
+        <p:nvSpPr>
+          <p:cNvPr id="200" name="Rectangle 188">
+            <a:extLst>
+              <a:ext uri="{FF2B5EF4-FFF2-40B4-BE49-F238E27FC236}">
+                <a16:creationId xmlns:a16="http://schemas.microsoft.com/office/drawing/2014/main" id="{5F710FDB-0919-493E-8539-8240C23F1EB2}"/>
+              </a:ext>
+              <a:ext uri="{C183D7F6-B498-43B3-948B-1728B52AA6E4}">
+                <adec:decorative xmlns:adec="http://schemas.microsoft.com/office/drawing/2017/decorative" val="1"/>
+              </a:ext>
+            </a:extLst>
+          </p:cNvPr>
+          <p:cNvSpPr>
+            <a:spLocks noGrp="1" noRot="1" noChangeAspect="1" noMove="1" noResize="1" noEditPoints="1" noAdjustHandles="1" noChangeArrowheads="1" noChangeShapeType="1" noTextEdit="1"/>
+          </p:cNvSpPr>
+          <p:nvPr>
+            <p:extLst>
+              <p:ext uri="{386F3935-93C4-4BCD-93E2-E3B085C9AB24}">
+                <p16:designElem xmlns:p16="http://schemas.microsoft.com/office/powerpoint/2015/main" val="1"/>
+              </p:ext>
+            </p:extLst>
+          </p:nvPr>
+        </p:nvSpPr>
+        <p:spPr>
+          <a:xfrm>
+            <a:off x="0" y="0"/>
+            <a:ext cx="12192000" cy="6858000"/>
+          </a:xfrm>
+          <a:prstGeom prst="rect">
+            <a:avLst/>
+          </a:prstGeom>
+          <a:ln w="12700" cap="flat" cmpd="sng" algn="ctr">
+            <a:noFill/>
+            <a:prstDash val="solid"/>
+            <a:miter lim="800000"/>
+          </a:ln>
+          <a:effectLst/>
+          <a:extLst>
+            <a:ext uri="{91240B29-F687-4F45-9708-019B960494DF}">
+              <a14:hiddenLine xmlns:a14="http://schemas.microsoft.com/office/drawing/2010/main" w="12700" cap="flat" cmpd="sng" algn="ctr">
+                <a:solidFill>
+                  <a:schemeClr val="accent1">
+                    <a:shade val="50000"/>
+                  </a:schemeClr>
+                </a:solidFill>
+                <a:prstDash val="solid"/>
+                <a:miter lim="800000"/>
+              </a14:hiddenLine>
+            </a:ext>
+          </a:extLst>
+        </p:spPr>
+        <p:style>
+          <a:lnRef idx="2">
+            <a:schemeClr val="accent1">
+              <a:shade val="50000"/>
+            </a:schemeClr>
+          </a:lnRef>
+          <a:fillRef idx="1">
+            <a:schemeClr val="accent1"/>
+          </a:fillRef>
+          <a:effectRef idx="0">
+            <a:schemeClr val="accent1"/>
+          </a:effectRef>
+          <a:fontRef idx="minor">
+            <a:schemeClr val="lt1"/>
+          </a:fontRef>
+        </p:style>
+        <p:txBody>
+          <a:bodyPr rtlCol="0" anchor="ctr"/>
+          <a:lstStyle/>
+          <a:p>
+            <a:pPr algn="ctr"/>
+            <a:endParaRPr lang="en-US"/>
+          </a:p>
+        </p:txBody>
+      </p:sp>
+      <p:sp>
+        <p:nvSpPr>
+          <p:cNvPr id="2" name="Title 1">
+            <a:extLst>
+              <a:ext uri="{FF2B5EF4-FFF2-40B4-BE49-F238E27FC236}">
+                <a16:creationId xmlns:a16="http://schemas.microsoft.com/office/drawing/2014/main" id="{D55BB942-9478-4F05-978C-49044A225594}"/>
+              </a:ext>
+            </a:extLst>
+          </p:cNvPr>
+          <p:cNvSpPr>
+            <a:spLocks noGrp="1"/>
+          </p:cNvSpPr>
+          <p:nvPr>
+            <p:ph type="title"/>
+          </p:nvPr>
+        </p:nvSpPr>
+        <p:spPr>
+          <a:xfrm>
+            <a:off x="700635" y="922096"/>
+            <a:ext cx="10691265" cy="1371030"/>
+          </a:xfrm>
+        </p:spPr>
+        <p:txBody>
+          <a:bodyPr vert="horz" lIns="91440" tIns="45720" rIns="91440" bIns="45720" rtlCol="0" anchor="t">
+            <a:normAutofit/>
+          </a:bodyPr>
+          <a:lstStyle/>
+          <a:p>
+            <a:r>
+              <a:rPr lang="en-US" sz="2800" kern="1200" cap="all" spc="30" baseline="0" dirty="0">
+                <a:solidFill>
+                  <a:schemeClr val="tx1"/>
+                </a:solidFill>
+                <a:latin typeface="+mj-lt"/>
+                <a:ea typeface="+mj-ea"/>
+                <a:cs typeface="+mj-cs"/>
+              </a:rPr>
+              <a:t>conservation status</a:t>
+            </a:r>
+            <a:r>
+              <a:rPr lang="en-US" sz="4000" kern="1200" cap="all" spc="30" baseline="0" dirty="0">
+                <a:solidFill>
+                  <a:schemeClr val="tx1"/>
+                </a:solidFill>
+                <a:latin typeface="+mj-lt"/>
+                <a:ea typeface="+mj-ea"/>
+                <a:cs typeface="+mj-cs"/>
+              </a:rPr>
+              <a:t> </a:t>
+            </a:r>
+          </a:p>
+        </p:txBody>
+      </p:sp>
+      <p:cxnSp>
+        <p:nvCxnSpPr>
+          <p:cNvPr id="201" name="Straight Connector 190">
+            <a:extLst>
+              <a:ext uri="{FF2B5EF4-FFF2-40B4-BE49-F238E27FC236}">
+                <a16:creationId xmlns:a16="http://schemas.microsoft.com/office/drawing/2014/main" id="{033715A5-8048-453E-A44A-0F17BBB481A4}"/>
+              </a:ext>
+              <a:ext uri="{C183D7F6-B498-43B3-948B-1728B52AA6E4}">
+                <adec:decorative xmlns:adec="http://schemas.microsoft.com/office/drawing/2017/decorative" val="1"/>
+              </a:ext>
+            </a:extLst>
+          </p:cNvPr>
+          <p:cNvCxnSpPr>
+            <a:cxnSpLocks noGrp="1" noRot="1" noChangeAspect="1" noMove="1" noResize="1" noEditPoints="1" noAdjustHandles="1" noChangeArrowheads="1" noChangeShapeType="1"/>
+          </p:cNvCxnSpPr>
+          <p:nvPr>
+            <p:extLst>
+              <p:ext uri="{386F3935-93C4-4BCD-93E2-E3B085C9AB24}">
+                <p16:designElem xmlns:p16="http://schemas.microsoft.com/office/powerpoint/2015/main" val="1"/>
+              </p:ext>
+            </p:extLst>
+          </p:nvPr>
+        </p:nvCxnSpPr>
+        <p:spPr>
+          <a:xfrm>
+            <a:off x="800100" y="728638"/>
+            <a:ext cx="1638300" cy="0"/>
+          </a:xfrm>
+          <a:prstGeom prst="line">
+            <a:avLst/>
+          </a:prstGeom>
+          <a:ln w="44450">
+            <a:solidFill>
+              <a:schemeClr val="tx1"/>
+            </a:solidFill>
+          </a:ln>
+        </p:spPr>
+        <p:style>
+          <a:lnRef idx="1">
+            <a:schemeClr val="accent1"/>
+          </a:lnRef>
+          <a:fillRef idx="0">
+            <a:schemeClr val="accent1"/>
+          </a:fillRef>
+          <a:effectRef idx="0">
+            <a:schemeClr val="accent1"/>
+          </a:effectRef>
+          <a:fontRef idx="minor">
+            <a:schemeClr val="tx1"/>
+          </a:fontRef>
+        </p:style>
+      </p:cxnSp>
+      <p:sp>
+        <p:nvSpPr>
+          <p:cNvPr id="4" name="Text Placeholder 3">
+            <a:extLst>
+              <a:ext uri="{FF2B5EF4-FFF2-40B4-BE49-F238E27FC236}">
+                <a16:creationId xmlns:a16="http://schemas.microsoft.com/office/drawing/2014/main" id="{3D841A96-29A8-4181-B8A6-8CED07E615CB}"/>
+              </a:ext>
+            </a:extLst>
+          </p:cNvPr>
+          <p:cNvSpPr>
+            <a:spLocks noGrp="1"/>
+          </p:cNvSpPr>
+          <p:nvPr>
+            <p:ph type="body" sz="half" idx="2"/>
+          </p:nvPr>
+        </p:nvSpPr>
+        <p:spPr>
+          <a:xfrm>
+            <a:off x="695325" y="2276474"/>
+            <a:ext cx="3338794" cy="3943351"/>
+          </a:xfrm>
+        </p:spPr>
+        <p:txBody>
+          <a:bodyPr vert="horz" lIns="91440" tIns="45720" rIns="91440" bIns="45720" rtlCol="0">
+            <a:normAutofit/>
+          </a:bodyPr>
+          <a:lstStyle/>
+          <a:p>
+            <a:pPr indent="-228600">
+              <a:buFont typeface="Arial" panose="020B0604020202020204" pitchFamily="34" charset="0"/>
+              <a:buChar char="•"/>
+            </a:pPr>
+            <a:r>
+              <a:rPr lang="en-US" dirty="0"/>
+              <a:t>A you can see there isn’t a category observed that doesn’t have a species of concern in it. Only two categories are ‘In Recovery’ and 5 of 7 categories have endangered species in the category. </a:t>
+            </a:r>
+          </a:p>
+        </p:txBody>
+      </p:sp>
+      <p:pic>
+        <p:nvPicPr>
+          <p:cNvPr id="122" name="Picture 121">
+            <a:extLst>
+              <a:ext uri="{FF2B5EF4-FFF2-40B4-BE49-F238E27FC236}">
+                <a16:creationId xmlns:a16="http://schemas.microsoft.com/office/drawing/2014/main" id="{2784E4EE-F444-45DB-90D9-4806EF4C02F4}"/>
+              </a:ext>
+            </a:extLst>
+          </p:cNvPr>
+          <p:cNvPicPr>
+            <a:picLocks noChangeAspect="1"/>
+          </p:cNvPicPr>
+          <p:nvPr/>
+        </p:nvPicPr>
+        <p:blipFill>
+          <a:blip r:embed="rId2">
+            <a:extLst>
+              <a:ext uri="{28A0092B-C50C-407E-A947-70E740481C1C}">
+                <a14:useLocalDpi xmlns:a14="http://schemas.microsoft.com/office/drawing/2010/main" val="0"/>
+              </a:ext>
+            </a:extLst>
+          </a:blip>
+          <a:srcRect/>
+          <a:stretch/>
+        </p:blipFill>
+        <p:spPr>
+          <a:xfrm>
+            <a:off x="5334000" y="0"/>
+            <a:ext cx="6858000" cy="6858000"/>
+          </a:xfrm>
+          <a:prstGeom prst="rect">
+            <a:avLst/>
+          </a:prstGeom>
         </p:spPr>
       </p:pic>
     </p:spTree>
@@ -5389,9 +7295,17 @@
 </p:sld>
 </file>
 
-<file path=ppt/slides/slide6.xml><?xml version="1.0" encoding="utf-8"?>
+<file path=ppt/slides/slide8.xml><?xml version="1.0" encoding="utf-8"?>
 <p:sld xmlns:a="http://schemas.openxmlformats.org/drawingml/2006/main" xmlns:r="http://schemas.openxmlformats.org/officeDocument/2006/relationships" xmlns:p="http://schemas.openxmlformats.org/presentationml/2006/main">
   <p:cSld>
+    <p:bg>
+      <p:bgPr>
+        <a:solidFill>
+          <a:schemeClr val="bg1"/>
+        </a:solidFill>
+        <a:effectLst/>
+      </p:bgPr>
+    </p:bg>
     <p:spTree>
       <p:nvGrpSpPr>
         <p:cNvPr id="1" name=""/>
@@ -5406,12 +7320,192 @@
           <a:chExt cx="0" cy="0"/>
         </a:xfrm>
       </p:grpSpPr>
+      <p:cxnSp>
+        <p:nvCxnSpPr>
+          <p:cNvPr id="24" name="Straight Connector 10">
+            <a:extLst>
+              <a:ext uri="{FF2B5EF4-FFF2-40B4-BE49-F238E27FC236}">
+                <a16:creationId xmlns:a16="http://schemas.microsoft.com/office/drawing/2014/main" id="{F64F9B95-9045-48D2-B9F3-2927E98F54AA}"/>
+              </a:ext>
+              <a:ext uri="{C183D7F6-B498-43B3-948B-1728B52AA6E4}">
+                <adec:decorative xmlns:adec="http://schemas.microsoft.com/office/drawing/2017/decorative" val="1"/>
+              </a:ext>
+            </a:extLst>
+          </p:cNvPr>
+          <p:cNvCxnSpPr>
+            <a:cxnSpLocks noGrp="1" noRot="1" noChangeAspect="1" noMove="1" noResize="1" noEditPoints="1" noAdjustHandles="1" noChangeArrowheads="1" noChangeShapeType="1"/>
+          </p:cNvCxnSpPr>
+          <p:nvPr>
+            <p:extLst>
+              <p:ext uri="{386F3935-93C4-4BCD-93E2-E3B085C9AB24}">
+                <p16:designElem xmlns:p16="http://schemas.microsoft.com/office/powerpoint/2015/main" val="1"/>
+              </p:ext>
+            </p:extLst>
+          </p:nvPr>
+        </p:nvCxnSpPr>
+        <p:spPr>
+          <a:xfrm>
+            <a:off x="800100" y="723900"/>
+            <a:ext cx="10591800" cy="0"/>
+          </a:xfrm>
+          <a:prstGeom prst="line">
+            <a:avLst/>
+          </a:prstGeom>
+          <a:ln w="44450">
+            <a:solidFill>
+              <a:schemeClr val="tx1"/>
+            </a:solidFill>
+          </a:ln>
+        </p:spPr>
+        <p:style>
+          <a:lnRef idx="1">
+            <a:schemeClr val="accent1"/>
+          </a:lnRef>
+          <a:fillRef idx="0">
+            <a:schemeClr val="accent1"/>
+          </a:fillRef>
+          <a:effectRef idx="0">
+            <a:schemeClr val="accent1"/>
+          </a:effectRef>
+          <a:fontRef idx="minor">
+            <a:schemeClr val="tx1"/>
+          </a:fontRef>
+        </p:style>
+      </p:cxnSp>
+      <p:cxnSp>
+        <p:nvCxnSpPr>
+          <p:cNvPr id="25" name="Straight Connector 12">
+            <a:extLst>
+              <a:ext uri="{FF2B5EF4-FFF2-40B4-BE49-F238E27FC236}">
+                <a16:creationId xmlns:a16="http://schemas.microsoft.com/office/drawing/2014/main" id="{085AA86F-6A4D-4BCB-A045-D992CDC2959B}"/>
+              </a:ext>
+              <a:ext uri="{C183D7F6-B498-43B3-948B-1728B52AA6E4}">
+                <adec:decorative xmlns:adec="http://schemas.microsoft.com/office/drawing/2017/decorative" val="1"/>
+              </a:ext>
+            </a:extLst>
+          </p:cNvPr>
+          <p:cNvCxnSpPr>
+            <a:cxnSpLocks noGrp="1" noRot="1" noChangeAspect="1" noMove="1" noResize="1" noEditPoints="1" noAdjustHandles="1" noChangeArrowheads="1" noChangeShapeType="1"/>
+          </p:cNvCxnSpPr>
+          <p:nvPr>
+            <p:extLst>
+              <p:ext uri="{386F3935-93C4-4BCD-93E2-E3B085C9AB24}">
+                <p16:designElem xmlns:p16="http://schemas.microsoft.com/office/powerpoint/2015/main" val="1"/>
+              </p:ext>
+            </p:extLst>
+          </p:nvPr>
+        </p:nvCxnSpPr>
+        <p:spPr>
+          <a:xfrm>
+            <a:off x="800100" y="6142781"/>
+            <a:ext cx="10591800" cy="0"/>
+          </a:xfrm>
+          <a:prstGeom prst="line">
+            <a:avLst/>
+          </a:prstGeom>
+          <a:ln w="12700">
+            <a:solidFill>
+              <a:schemeClr val="tx1"/>
+            </a:solidFill>
+          </a:ln>
+        </p:spPr>
+        <p:style>
+          <a:lnRef idx="1">
+            <a:schemeClr val="accent1"/>
+          </a:lnRef>
+          <a:fillRef idx="0">
+            <a:schemeClr val="accent1"/>
+          </a:fillRef>
+          <a:effectRef idx="0">
+            <a:schemeClr val="accent1"/>
+          </a:effectRef>
+          <a:fontRef idx="minor">
+            <a:schemeClr val="tx1"/>
+          </a:fontRef>
+        </p:style>
+      </p:cxnSp>
+      <p:sp useBgFill="1">
+        <p:nvSpPr>
+          <p:cNvPr id="26" name="Rectangle 14">
+            <a:extLst>
+              <a:ext uri="{FF2B5EF4-FFF2-40B4-BE49-F238E27FC236}">
+                <a16:creationId xmlns:a16="http://schemas.microsoft.com/office/drawing/2014/main" id="{E49D7415-2F11-44C2-B6AA-13A25B6814B9}"/>
+              </a:ext>
+              <a:ext uri="{C183D7F6-B498-43B3-948B-1728B52AA6E4}">
+                <adec:decorative xmlns:adec="http://schemas.microsoft.com/office/drawing/2017/decorative" val="1"/>
+              </a:ext>
+            </a:extLst>
+          </p:cNvPr>
+          <p:cNvSpPr>
+            <a:spLocks noGrp="1" noRot="1" noChangeAspect="1" noMove="1" noResize="1" noEditPoints="1" noAdjustHandles="1" noChangeArrowheads="1" noChangeShapeType="1" noTextEdit="1"/>
+          </p:cNvSpPr>
+          <p:nvPr>
+            <p:extLst>
+              <p:ext uri="{386F3935-93C4-4BCD-93E2-E3B085C9AB24}">
+                <p16:designElem xmlns:p16="http://schemas.microsoft.com/office/powerpoint/2015/main" val="1"/>
+              </p:ext>
+            </p:extLst>
+          </p:nvPr>
+        </p:nvSpPr>
+        <p:spPr>
+          <a:xfrm>
+            <a:off x="0" y="0"/>
+            <a:ext cx="12192000" cy="6858000"/>
+          </a:xfrm>
+          <a:prstGeom prst="rect">
+            <a:avLst/>
+          </a:prstGeom>
+          <a:ln w="12700" cap="flat" cmpd="sng" algn="ctr">
+            <a:noFill/>
+            <a:prstDash val="solid"/>
+            <a:miter lim="800000"/>
+          </a:ln>
+          <a:effectLst/>
+          <a:extLst>
+            <a:ext uri="{91240B29-F687-4F45-9708-019B960494DF}">
+              <a14:hiddenLine xmlns:a14="http://schemas.microsoft.com/office/drawing/2010/main" w="12700" cap="flat" cmpd="sng" algn="ctr">
+                <a:solidFill>
+                  <a:schemeClr val="accent1">
+                    <a:shade val="50000"/>
+                  </a:schemeClr>
+                </a:solidFill>
+                <a:prstDash val="solid"/>
+                <a:miter lim="800000"/>
+              </a14:hiddenLine>
+            </a:ext>
+          </a:extLst>
+        </p:spPr>
+        <p:style>
+          <a:lnRef idx="2">
+            <a:schemeClr val="accent1">
+              <a:shade val="50000"/>
+            </a:schemeClr>
+          </a:lnRef>
+          <a:fillRef idx="1">
+            <a:schemeClr val="accent1"/>
+          </a:fillRef>
+          <a:effectRef idx="0">
+            <a:schemeClr val="accent1"/>
+          </a:effectRef>
+          <a:fontRef idx="minor">
+            <a:schemeClr val="lt1"/>
+          </a:fontRef>
+        </p:style>
+        <p:txBody>
+          <a:bodyPr rtlCol="0" anchor="ctr"/>
+          <a:lstStyle/>
+          <a:p>
+            <a:pPr algn="ctr"/>
+            <a:endParaRPr lang="en-US"/>
+          </a:p>
+        </p:txBody>
+      </p:sp>
       <p:sp>
         <p:nvSpPr>
           <p:cNvPr id="2" name="Title 1">
             <a:extLst>
               <a:ext uri="{FF2B5EF4-FFF2-40B4-BE49-F238E27FC236}">
-                <a16:creationId xmlns:a16="http://schemas.microsoft.com/office/drawing/2014/main" id="{D5D5C737-429F-4CCD-A9B5-81E12BF8738C}"/>
+                <a16:creationId xmlns:a16="http://schemas.microsoft.com/office/drawing/2014/main" id="{F4D6805B-7CFD-4739-BC92-0D01BDE96684}"/>
               </a:ext>
             </a:extLst>
           </p:cNvPr>
@@ -5422,26 +7516,39 @@
             <p:ph type="title"/>
           </p:nvPr>
         </p:nvSpPr>
-        <p:spPr/>
-        <p:txBody>
-          <a:bodyPr>
+        <p:spPr>
+          <a:xfrm>
+            <a:off x="7992709" y="895448"/>
+            <a:ext cx="3619697" cy="1919469"/>
+          </a:xfrm>
+        </p:spPr>
+        <p:txBody>
+          <a:bodyPr vert="horz" lIns="91440" tIns="45720" rIns="91440" bIns="45720" rtlCol="0" anchor="t">
             <a:normAutofit fontScale="90000"/>
           </a:bodyPr>
           <a:lstStyle/>
           <a:p>
             <a:r>
-              <a:rPr lang="en-US" dirty="0"/>
-              <a:t>What’s the Most Observed Animal Category ?</a:t>
-            </a:r>
+              <a:rPr lang="en-US" sz="4000" dirty="0"/>
+              <a:t>What is endangered by category</a:t>
+            </a:r>
+            <a:endParaRPr lang="en-US" sz="4000" kern="1200" cap="all" spc="30" baseline="0" dirty="0">
+              <a:solidFill>
+                <a:schemeClr val="tx1"/>
+              </a:solidFill>
+              <a:latin typeface="+mj-lt"/>
+              <a:ea typeface="+mj-ea"/>
+              <a:cs typeface="+mj-cs"/>
+            </a:endParaRPr>
           </a:p>
         </p:txBody>
       </p:sp>
       <p:pic>
         <p:nvPicPr>
-          <p:cNvPr id="6" name="Content Placeholder 5" descr="Chart, bar chart&#10;&#10;Description automatically generated">
-            <a:extLst>
-              <a:ext uri="{FF2B5EF4-FFF2-40B4-BE49-F238E27FC236}">
-                <a16:creationId xmlns:a16="http://schemas.microsoft.com/office/drawing/2014/main" id="{9A5FB3C2-83CE-49D1-9C46-868BF381B75E}"/>
+          <p:cNvPr id="6" name="Picture Placeholder 5" descr="Chart, bar chart&#10;&#10;Description automatically generated">
+            <a:extLst>
+              <a:ext uri="{FF2B5EF4-FFF2-40B4-BE49-F238E27FC236}">
+                <a16:creationId xmlns:a16="http://schemas.microsoft.com/office/drawing/2014/main" id="{BF1EC461-110D-4DD4-B498-574F1A4A2938}"/>
               </a:ext>
             </a:extLst>
           </p:cNvPr>
@@ -5449,11 +7556,493 @@
             <a:picLocks noGrp="1" noChangeAspect="1"/>
           </p:cNvPicPr>
           <p:nvPr>
+            <p:ph type="pic" idx="1"/>
+          </p:nvPr>
+        </p:nvPicPr>
+        <p:blipFill rotWithShape="1">
+          <a:blip r:embed="rId3">
+            <a:extLst>
+              <a:ext uri="{28A0092B-C50C-407E-A947-70E740481C1C}">
+                <a14:useLocalDpi xmlns:a14="http://schemas.microsoft.com/office/drawing/2010/main" val="0"/>
+              </a:ext>
+            </a:extLst>
+          </a:blip>
+          <a:srcRect t="6250"/>
+          <a:stretch/>
+        </p:blipFill>
+        <p:spPr>
+          <a:xfrm>
+            <a:off x="20" y="10"/>
+            <a:ext cx="7315180" cy="6857984"/>
+          </a:xfrm>
+          <a:prstGeom prst="rect">
+            <a:avLst/>
+          </a:prstGeom>
+        </p:spPr>
+      </p:pic>
+      <p:cxnSp>
+        <p:nvCxnSpPr>
+          <p:cNvPr id="27" name="Straight Connector 16">
+            <a:extLst>
+              <a:ext uri="{FF2B5EF4-FFF2-40B4-BE49-F238E27FC236}">
+                <a16:creationId xmlns:a16="http://schemas.microsoft.com/office/drawing/2014/main" id="{D2E57F3D-33BE-4306-87E6-245763719516}"/>
+              </a:ext>
+              <a:ext uri="{C183D7F6-B498-43B3-948B-1728B52AA6E4}">
+                <adec:decorative xmlns:adec="http://schemas.microsoft.com/office/drawing/2017/decorative" val="1"/>
+              </a:ext>
+            </a:extLst>
+          </p:cNvPr>
+          <p:cNvCxnSpPr>
+            <a:cxnSpLocks noGrp="1" noRot="1" noChangeAspect="1" noMove="1" noResize="1" noEditPoints="1" noAdjustHandles="1" noChangeArrowheads="1" noChangeShapeType="1"/>
+          </p:cNvCxnSpPr>
+          <p:nvPr>
+            <p:extLst>
+              <p:ext uri="{386F3935-93C4-4BCD-93E2-E3B085C9AB24}">
+                <p16:designElem xmlns:p16="http://schemas.microsoft.com/office/powerpoint/2015/main" val="1"/>
+              </p:ext>
+            </p:extLst>
+          </p:nvPr>
+        </p:nvCxnSpPr>
+        <p:spPr>
+          <a:xfrm>
+            <a:off x="8115300" y="723900"/>
+            <a:ext cx="1638300" cy="0"/>
+          </a:xfrm>
+          <a:prstGeom prst="line">
+            <a:avLst/>
+          </a:prstGeom>
+          <a:ln w="44450">
+            <a:solidFill>
+              <a:schemeClr val="tx1"/>
+            </a:solidFill>
+          </a:ln>
+        </p:spPr>
+        <p:style>
+          <a:lnRef idx="1">
+            <a:schemeClr val="accent1"/>
+          </a:lnRef>
+          <a:fillRef idx="0">
+            <a:schemeClr val="accent1"/>
+          </a:fillRef>
+          <a:effectRef idx="0">
+            <a:schemeClr val="accent1"/>
+          </a:effectRef>
+          <a:fontRef idx="minor">
+            <a:schemeClr val="tx1"/>
+          </a:fontRef>
+        </p:style>
+      </p:cxnSp>
+      <p:sp>
+        <p:nvSpPr>
+          <p:cNvPr id="4" name="Text Placeholder 3">
+            <a:extLst>
+              <a:ext uri="{FF2B5EF4-FFF2-40B4-BE49-F238E27FC236}">
+                <a16:creationId xmlns:a16="http://schemas.microsoft.com/office/drawing/2014/main" id="{F4657A1C-4988-442F-AA36-37A0A4E97F73}"/>
+              </a:ext>
+            </a:extLst>
+          </p:cNvPr>
+          <p:cNvSpPr>
+            <a:spLocks noGrp="1"/>
+          </p:cNvSpPr>
+          <p:nvPr>
+            <p:ph type="body" sz="half" idx="2"/>
+          </p:nvPr>
+        </p:nvSpPr>
+        <p:spPr>
+          <a:xfrm>
+            <a:off x="7991572" y="2823015"/>
+            <a:ext cx="3581303" cy="3554891"/>
+          </a:xfrm>
+        </p:spPr>
+        <p:txBody>
+          <a:bodyPr vert="horz" lIns="91440" tIns="45720" rIns="91440" bIns="45720" rtlCol="0">
+            <a:normAutofit/>
+          </a:bodyPr>
+          <a:lstStyle/>
+          <a:p>
+            <a:pPr indent="-228600">
+              <a:buFont typeface="Arial" panose="020B0604020202020204" pitchFamily="34" charset="0"/>
+              <a:buChar char="•"/>
+            </a:pPr>
+            <a:r>
+              <a:rPr lang="en-US" dirty="0"/>
+              <a:t>This chart shows what is considered endangered, threatened or in recovery. The statuses of species of concern and no intervention are not covered under the umbrella of ‘endangered’ asked in the question. </a:t>
+            </a:r>
+          </a:p>
+        </p:txBody>
+      </p:sp>
+    </p:spTree>
+    <p:extLst>
+      <p:ext uri="{BB962C8B-B14F-4D97-AF65-F5344CB8AC3E}">
+        <p14:creationId xmlns:p14="http://schemas.microsoft.com/office/powerpoint/2010/main" val="1604448509"/>
+      </p:ext>
+    </p:extLst>
+  </p:cSld>
+  <p:clrMapOvr>
+    <a:masterClrMapping/>
+  </p:clrMapOvr>
+</p:sld>
+</file>
+
+<file path=ppt/slides/slide9.xml><?xml version="1.0" encoding="utf-8"?>
+<p:sld xmlns:a="http://schemas.openxmlformats.org/drawingml/2006/main" xmlns:r="http://schemas.openxmlformats.org/officeDocument/2006/relationships" xmlns:p="http://schemas.openxmlformats.org/presentationml/2006/main">
+  <p:cSld>
+    <p:bg>
+      <p:bgPr>
+        <a:solidFill>
+          <a:schemeClr val="bg1"/>
+        </a:solidFill>
+        <a:effectLst/>
+      </p:bgPr>
+    </p:bg>
+    <p:spTree>
+      <p:nvGrpSpPr>
+        <p:cNvPr id="1" name=""/>
+        <p:cNvGrpSpPr/>
+        <p:nvPr/>
+      </p:nvGrpSpPr>
+      <p:grpSpPr>
+        <a:xfrm>
+          <a:off x="0" y="0"/>
+          <a:ext cx="0" cy="0"/>
+          <a:chOff x="0" y="0"/>
+          <a:chExt cx="0" cy="0"/>
+        </a:xfrm>
+      </p:grpSpPr>
+      <p:cxnSp>
+        <p:nvCxnSpPr>
+          <p:cNvPr id="24" name="Straight Connector 10">
+            <a:extLst>
+              <a:ext uri="{FF2B5EF4-FFF2-40B4-BE49-F238E27FC236}">
+                <a16:creationId xmlns:a16="http://schemas.microsoft.com/office/drawing/2014/main" id="{F64F9B95-9045-48D2-B9F3-2927E98F54AA}"/>
+              </a:ext>
+              <a:ext uri="{C183D7F6-B498-43B3-948B-1728B52AA6E4}">
+                <adec:decorative xmlns:adec="http://schemas.microsoft.com/office/drawing/2017/decorative" val="1"/>
+              </a:ext>
+            </a:extLst>
+          </p:cNvPr>
+          <p:cNvCxnSpPr>
+            <a:cxnSpLocks noGrp="1" noRot="1" noChangeAspect="1" noMove="1" noResize="1" noEditPoints="1" noAdjustHandles="1" noChangeArrowheads="1" noChangeShapeType="1"/>
+          </p:cNvCxnSpPr>
+          <p:nvPr>
+            <p:extLst>
+              <p:ext uri="{386F3935-93C4-4BCD-93E2-E3B085C9AB24}">
+                <p16:designElem xmlns:p16="http://schemas.microsoft.com/office/powerpoint/2015/main" val="1"/>
+              </p:ext>
+            </p:extLst>
+          </p:nvPr>
+        </p:nvCxnSpPr>
+        <p:spPr>
+          <a:xfrm>
+            <a:off x="800100" y="723900"/>
+            <a:ext cx="10591800" cy="0"/>
+          </a:xfrm>
+          <a:prstGeom prst="line">
+            <a:avLst/>
+          </a:prstGeom>
+          <a:ln w="44450">
+            <a:solidFill>
+              <a:schemeClr val="tx1"/>
+            </a:solidFill>
+          </a:ln>
+        </p:spPr>
+        <p:style>
+          <a:lnRef idx="1">
+            <a:schemeClr val="accent1"/>
+          </a:lnRef>
+          <a:fillRef idx="0">
+            <a:schemeClr val="accent1"/>
+          </a:fillRef>
+          <a:effectRef idx="0">
+            <a:schemeClr val="accent1"/>
+          </a:effectRef>
+          <a:fontRef idx="minor">
+            <a:schemeClr val="tx1"/>
+          </a:fontRef>
+        </p:style>
+      </p:cxnSp>
+      <p:cxnSp>
+        <p:nvCxnSpPr>
+          <p:cNvPr id="25" name="Straight Connector 12">
+            <a:extLst>
+              <a:ext uri="{FF2B5EF4-FFF2-40B4-BE49-F238E27FC236}">
+                <a16:creationId xmlns:a16="http://schemas.microsoft.com/office/drawing/2014/main" id="{085AA86F-6A4D-4BCB-A045-D992CDC2959B}"/>
+              </a:ext>
+              <a:ext uri="{C183D7F6-B498-43B3-948B-1728B52AA6E4}">
+                <adec:decorative xmlns:adec="http://schemas.microsoft.com/office/drawing/2017/decorative" val="1"/>
+              </a:ext>
+            </a:extLst>
+          </p:cNvPr>
+          <p:cNvCxnSpPr>
+            <a:cxnSpLocks noGrp="1" noRot="1" noChangeAspect="1" noMove="1" noResize="1" noEditPoints="1" noAdjustHandles="1" noChangeArrowheads="1" noChangeShapeType="1"/>
+          </p:cNvCxnSpPr>
+          <p:nvPr>
+            <p:extLst>
+              <p:ext uri="{386F3935-93C4-4BCD-93E2-E3B085C9AB24}">
+                <p16:designElem xmlns:p16="http://schemas.microsoft.com/office/powerpoint/2015/main" val="1"/>
+              </p:ext>
+            </p:extLst>
+          </p:nvPr>
+        </p:nvCxnSpPr>
+        <p:spPr>
+          <a:xfrm>
+            <a:off x="800100" y="6142781"/>
+            <a:ext cx="10591800" cy="0"/>
+          </a:xfrm>
+          <a:prstGeom prst="line">
+            <a:avLst/>
+          </a:prstGeom>
+          <a:ln w="12700">
+            <a:solidFill>
+              <a:schemeClr val="tx1"/>
+            </a:solidFill>
+          </a:ln>
+        </p:spPr>
+        <p:style>
+          <a:lnRef idx="1">
+            <a:schemeClr val="accent1"/>
+          </a:lnRef>
+          <a:fillRef idx="0">
+            <a:schemeClr val="accent1"/>
+          </a:fillRef>
+          <a:effectRef idx="0">
+            <a:schemeClr val="accent1"/>
+          </a:effectRef>
+          <a:fontRef idx="minor">
+            <a:schemeClr val="tx1"/>
+          </a:fontRef>
+        </p:style>
+      </p:cxnSp>
+      <p:sp useBgFill="1">
+        <p:nvSpPr>
+          <p:cNvPr id="26" name="Rectangle 14">
+            <a:extLst>
+              <a:ext uri="{FF2B5EF4-FFF2-40B4-BE49-F238E27FC236}">
+                <a16:creationId xmlns:a16="http://schemas.microsoft.com/office/drawing/2014/main" id="{E49D7415-2F11-44C2-B6AA-13A25B6814B9}"/>
+              </a:ext>
+              <a:ext uri="{C183D7F6-B498-43B3-948B-1728B52AA6E4}">
+                <adec:decorative xmlns:adec="http://schemas.microsoft.com/office/drawing/2017/decorative" val="1"/>
+              </a:ext>
+            </a:extLst>
+          </p:cNvPr>
+          <p:cNvSpPr>
+            <a:spLocks noGrp="1" noRot="1" noChangeAspect="1" noMove="1" noResize="1" noEditPoints="1" noAdjustHandles="1" noChangeArrowheads="1" noChangeShapeType="1" noTextEdit="1"/>
+          </p:cNvSpPr>
+          <p:nvPr>
+            <p:extLst>
+              <p:ext uri="{386F3935-93C4-4BCD-93E2-E3B085C9AB24}">
+                <p16:designElem xmlns:p16="http://schemas.microsoft.com/office/powerpoint/2015/main" val="1"/>
+              </p:ext>
+            </p:extLst>
+          </p:nvPr>
+        </p:nvSpPr>
+        <p:spPr>
+          <a:xfrm>
+            <a:off x="0" y="0"/>
+            <a:ext cx="12192000" cy="6858000"/>
+          </a:xfrm>
+          <a:prstGeom prst="rect">
+            <a:avLst/>
+          </a:prstGeom>
+          <a:ln w="12700" cap="flat" cmpd="sng" algn="ctr">
+            <a:noFill/>
+            <a:prstDash val="solid"/>
+            <a:miter lim="800000"/>
+          </a:ln>
+          <a:effectLst/>
+          <a:extLst>
+            <a:ext uri="{91240B29-F687-4F45-9708-019B960494DF}">
+              <a14:hiddenLine xmlns:a14="http://schemas.microsoft.com/office/drawing/2010/main" w="12700" cap="flat" cmpd="sng" algn="ctr">
+                <a:solidFill>
+                  <a:schemeClr val="accent1">
+                    <a:shade val="50000"/>
+                  </a:schemeClr>
+                </a:solidFill>
+                <a:prstDash val="solid"/>
+                <a:miter lim="800000"/>
+              </a14:hiddenLine>
+            </a:ext>
+          </a:extLst>
+        </p:spPr>
+        <p:style>
+          <a:lnRef idx="2">
+            <a:schemeClr val="accent1">
+              <a:shade val="50000"/>
+            </a:schemeClr>
+          </a:lnRef>
+          <a:fillRef idx="1">
+            <a:schemeClr val="accent1"/>
+          </a:fillRef>
+          <a:effectRef idx="0">
+            <a:schemeClr val="accent1"/>
+          </a:effectRef>
+          <a:fontRef idx="minor">
+            <a:schemeClr val="lt1"/>
+          </a:fontRef>
+        </p:style>
+        <p:txBody>
+          <a:bodyPr rtlCol="0" anchor="ctr"/>
+          <a:lstStyle/>
+          <a:p>
+            <a:pPr algn="ctr"/>
+            <a:endParaRPr lang="en-US"/>
+          </a:p>
+        </p:txBody>
+      </p:sp>
+      <p:sp>
+        <p:nvSpPr>
+          <p:cNvPr id="2" name="Title 1">
+            <a:extLst>
+              <a:ext uri="{FF2B5EF4-FFF2-40B4-BE49-F238E27FC236}">
+                <a16:creationId xmlns:a16="http://schemas.microsoft.com/office/drawing/2014/main" id="{FB74D532-FCBA-4968-AA9E-BCC2B0F465CD}"/>
+              </a:ext>
+            </a:extLst>
+          </p:cNvPr>
+          <p:cNvSpPr>
+            <a:spLocks noGrp="1"/>
+          </p:cNvSpPr>
+          <p:nvPr>
+            <p:ph type="title"/>
+          </p:nvPr>
+        </p:nvSpPr>
+        <p:spPr>
+          <a:xfrm>
+            <a:off x="685801" y="906366"/>
+            <a:ext cx="4412098" cy="1616771"/>
+          </a:xfrm>
+        </p:spPr>
+        <p:txBody>
+          <a:bodyPr vert="horz" lIns="91440" tIns="45720" rIns="91440" bIns="45720" rtlCol="0" anchor="t">
+            <a:normAutofit/>
+          </a:bodyPr>
+          <a:lstStyle/>
+          <a:p>
+            <a:r>
+              <a:rPr lang="en-US" sz="3700" kern="1200" cap="all" spc="30" baseline="0">
+                <a:solidFill>
+                  <a:schemeClr val="tx1"/>
+                </a:solidFill>
+                <a:latin typeface="+mj-lt"/>
+                <a:ea typeface="+mj-ea"/>
+                <a:cs typeface="+mj-cs"/>
+              </a:rPr>
+              <a:t>What’s protected as a percentage</a:t>
+            </a:r>
+          </a:p>
+        </p:txBody>
+      </p:sp>
+      <p:cxnSp>
+        <p:nvCxnSpPr>
+          <p:cNvPr id="27" name="Straight Connector 16">
+            <a:extLst>
+              <a:ext uri="{FF2B5EF4-FFF2-40B4-BE49-F238E27FC236}">
+                <a16:creationId xmlns:a16="http://schemas.microsoft.com/office/drawing/2014/main" id="{9BFA7F3E-7868-4A4D-9F5E-C2148971041E}"/>
+              </a:ext>
+              <a:ext uri="{C183D7F6-B498-43B3-948B-1728B52AA6E4}">
+                <adec:decorative xmlns:adec="http://schemas.microsoft.com/office/drawing/2017/decorative" val="1"/>
+              </a:ext>
+            </a:extLst>
+          </p:cNvPr>
+          <p:cNvCxnSpPr>
+            <a:cxnSpLocks noGrp="1" noRot="1" noChangeAspect="1" noMove="1" noResize="1" noEditPoints="1" noAdjustHandles="1" noChangeArrowheads="1" noChangeShapeType="1"/>
+          </p:cNvCxnSpPr>
+          <p:nvPr>
+            <p:extLst>
+              <p:ext uri="{386F3935-93C4-4BCD-93E2-E3B085C9AB24}">
+                <p16:designElem xmlns:p16="http://schemas.microsoft.com/office/powerpoint/2015/main" val="1"/>
+              </p:ext>
+            </p:extLst>
+          </p:nvPr>
+        </p:nvCxnSpPr>
+        <p:spPr>
+          <a:xfrm>
+            <a:off x="800100" y="723900"/>
+            <a:ext cx="10591800" cy="0"/>
+          </a:xfrm>
+          <a:prstGeom prst="line">
+            <a:avLst/>
+          </a:prstGeom>
+          <a:ln w="44450">
+            <a:solidFill>
+              <a:schemeClr val="tx1"/>
+            </a:solidFill>
+          </a:ln>
+        </p:spPr>
+        <p:style>
+          <a:lnRef idx="1">
+            <a:schemeClr val="accent1"/>
+          </a:lnRef>
+          <a:fillRef idx="0">
+            <a:schemeClr val="accent1"/>
+          </a:fillRef>
+          <a:effectRef idx="0">
+            <a:schemeClr val="accent1"/>
+          </a:effectRef>
+          <a:fontRef idx="minor">
+            <a:schemeClr val="tx1"/>
+          </a:fontRef>
+        </p:style>
+      </p:cxnSp>
+      <p:sp>
+        <p:nvSpPr>
+          <p:cNvPr id="4" name="Text Placeholder 3">
+            <a:extLst>
+              <a:ext uri="{FF2B5EF4-FFF2-40B4-BE49-F238E27FC236}">
+                <a16:creationId xmlns:a16="http://schemas.microsoft.com/office/drawing/2014/main" id="{B0E2A723-834C-4C82-BEE6-728EBF90925E}"/>
+              </a:ext>
+            </a:extLst>
+          </p:cNvPr>
+          <p:cNvSpPr>
+            <a:spLocks noGrp="1"/>
+          </p:cNvSpPr>
+          <p:nvPr>
+            <p:ph type="body" sz="half" idx="2"/>
+          </p:nvPr>
+        </p:nvSpPr>
+        <p:spPr>
+          <a:xfrm>
+            <a:off x="5628536" y="982684"/>
+            <a:ext cx="5877664" cy="1499962"/>
+          </a:xfrm>
+        </p:spPr>
+        <p:txBody>
+          <a:bodyPr vert="horz" lIns="91440" tIns="45720" rIns="91440" bIns="45720" rtlCol="0">
+            <a:normAutofit/>
+          </a:bodyPr>
+          <a:lstStyle/>
+          <a:p>
+            <a:pPr indent="-228600">
+              <a:lnSpc>
+                <a:spcPct val="110000"/>
+              </a:lnSpc>
+              <a:buFont typeface="Arial" panose="020B0604020202020204" pitchFamily="34" charset="0"/>
+              <a:buChar char="•"/>
+            </a:pPr>
+            <a:r>
+              <a:rPr lang="en-US" dirty="0"/>
+              <a:t>The Scientific Name was used to make this chart. As you can see, by percentage, there are few species in the endangered (protected) category. I used Endangered, In Recovery and Threatened as those fall into that category. Species of Concern does not fall into the Protected category.</a:t>
+            </a:r>
+          </a:p>
+        </p:txBody>
+      </p:sp>
+      <p:pic>
+        <p:nvPicPr>
+          <p:cNvPr id="6" name="Content Placeholder 5" descr="Graphical user interface&#10;&#10;Description automatically generated with medium confidence">
+            <a:extLst>
+              <a:ext uri="{FF2B5EF4-FFF2-40B4-BE49-F238E27FC236}">
+                <a16:creationId xmlns:a16="http://schemas.microsoft.com/office/drawing/2014/main" id="{59C004F0-0555-4B51-BAD5-471BED3432FF}"/>
+              </a:ext>
+            </a:extLst>
+          </p:cNvPr>
+          <p:cNvPicPr>
+            <a:picLocks noGrp="1" noChangeAspect="1"/>
+          </p:cNvPicPr>
+          <p:nvPr>
             <p:ph idx="1"/>
           </p:nvPr>
         </p:nvPicPr>
         <p:blipFill>
-          <a:blip r:embed="rId2">
+          <a:blip r:embed="rId3">
             <a:extLst>
               <a:ext uri="{28A0092B-C50C-407E-A947-70E740481C1C}">
                 <a14:useLocalDpi xmlns:a14="http://schemas.microsoft.com/office/drawing/2010/main" val="0"/>
@@ -5466,51 +8055,70 @@
         </p:blipFill>
         <p:spPr>
           <a:xfrm>
-            <a:off x="5753869" y="987425"/>
-            <a:ext cx="5030838" cy="4873625"/>
+            <a:off x="800100" y="3222687"/>
+            <a:ext cx="10591800" cy="2568511"/>
           </a:xfrm>
+          <a:prstGeom prst="rect">
+            <a:avLst/>
+          </a:prstGeom>
         </p:spPr>
       </p:pic>
-      <p:sp>
-        <p:nvSpPr>
-          <p:cNvPr id="4" name="Text Placeholder 3">
-            <a:extLst>
-              <a:ext uri="{FF2B5EF4-FFF2-40B4-BE49-F238E27FC236}">
-                <a16:creationId xmlns:a16="http://schemas.microsoft.com/office/drawing/2014/main" id="{2E2741D6-C516-47F6-8558-0E0ACA5B3379}"/>
-              </a:ext>
-            </a:extLst>
-          </p:cNvPr>
-          <p:cNvSpPr>
-            <a:spLocks noGrp="1"/>
-          </p:cNvSpPr>
-          <p:nvPr>
-            <p:ph type="body" sz="half" idx="2"/>
-          </p:nvPr>
-        </p:nvSpPr>
-        <p:spPr/>
-        <p:txBody>
-          <a:bodyPr/>
-          <a:lstStyle/>
-          <a:p>
-            <a:r>
-              <a:rPr lang="en-US" dirty="0"/>
-              <a:t>As you can see by the graph, the most observed animal category is Birds. Yellowstone has the highest number of </a:t>
-            </a:r>
-            <a:r>
-              <a:rPr lang="en-US" u="sng" dirty="0"/>
-              <a:t>observations</a:t>
-            </a:r>
-            <a:r>
-              <a:rPr lang="en-US" dirty="0"/>
-              <a:t> and Yosemite is second. The next most observed category is mammals, again with Yellowstone having the highest number of observations.  </a:t>
-            </a:r>
-          </a:p>
-        </p:txBody>
-      </p:sp>
+      <p:cxnSp>
+        <p:nvCxnSpPr>
+          <p:cNvPr id="28" name="Straight Connector 18">
+            <a:extLst>
+              <a:ext uri="{FF2B5EF4-FFF2-40B4-BE49-F238E27FC236}">
+                <a16:creationId xmlns:a16="http://schemas.microsoft.com/office/drawing/2014/main" id="{276AB626-F2F4-41D1-94FC-3258BA6784F8}"/>
+              </a:ext>
+              <a:ext uri="{C183D7F6-B498-43B3-948B-1728B52AA6E4}">
+                <adec:decorative xmlns:adec="http://schemas.microsoft.com/office/drawing/2017/decorative" val="1"/>
+              </a:ext>
+            </a:extLst>
+          </p:cNvPr>
+          <p:cNvCxnSpPr>
+            <a:cxnSpLocks noGrp="1" noRot="1" noChangeAspect="1" noMove="1" noResize="1" noEditPoints="1" noAdjustHandles="1" noChangeArrowheads="1" noChangeShapeType="1"/>
+          </p:cNvCxnSpPr>
+          <p:nvPr>
+            <p:extLst>
+              <p:ext uri="{386F3935-93C4-4BCD-93E2-E3B085C9AB24}">
+                <p16:designElem xmlns:p16="http://schemas.microsoft.com/office/powerpoint/2015/main" val="1"/>
+              </p:ext>
+            </p:extLst>
+          </p:nvPr>
+        </p:nvCxnSpPr>
+        <p:spPr>
+          <a:xfrm>
+            <a:off x="800100" y="6142781"/>
+            <a:ext cx="10591800" cy="0"/>
+          </a:xfrm>
+          <a:prstGeom prst="line">
+            <a:avLst/>
+          </a:prstGeom>
+          <a:ln w="12700">
+            <a:solidFill>
+              <a:schemeClr val="tx1"/>
+            </a:solidFill>
+          </a:ln>
+        </p:spPr>
+        <p:style>
+          <a:lnRef idx="1">
+            <a:schemeClr val="accent1"/>
+          </a:lnRef>
+          <a:fillRef idx="0">
+            <a:schemeClr val="accent1"/>
+          </a:fillRef>
+          <a:effectRef idx="0">
+            <a:schemeClr val="accent1"/>
+          </a:effectRef>
+          <a:fontRef idx="minor">
+            <a:schemeClr val="tx1"/>
+          </a:fontRef>
+        </p:style>
+      </p:cxnSp>
     </p:spTree>
     <p:extLst>
       <p:ext uri="{BB962C8B-B14F-4D97-AF65-F5344CB8AC3E}">
-        <p14:creationId xmlns:p14="http://schemas.microsoft.com/office/powerpoint/2010/main" val="2908618018"/>
+        <p14:creationId xmlns:p14="http://schemas.microsoft.com/office/powerpoint/2010/main" val="2211407224"/>
       </p:ext>
     </p:extLst>
   </p:cSld>
